--- a/Documentation/Audit1/Million Coursework Stuednts(temp).pptx
+++ b/Documentation/Audit1/Million Coursework Stuednts(temp).pptx
@@ -6,11 +6,21 @@
   </p:sldMasterIdLst>
   <p:sldIdLst>
     <p:sldId id="258" r:id="rId2"/>
-    <p:sldId id="259" r:id="rId3"/>
-    <p:sldId id="260" r:id="rId4"/>
-    <p:sldId id="261" r:id="rId5"/>
-    <p:sldId id="262" r:id="rId6"/>
-    <p:sldId id="263" r:id="rId7"/>
+    <p:sldId id="264" r:id="rId3"/>
+    <p:sldId id="265" r:id="rId4"/>
+    <p:sldId id="259" r:id="rId5"/>
+    <p:sldId id="260" r:id="rId6"/>
+    <p:sldId id="261" r:id="rId7"/>
+    <p:sldId id="262" r:id="rId8"/>
+    <p:sldId id="266" r:id="rId9"/>
+    <p:sldId id="267" r:id="rId10"/>
+    <p:sldId id="268" r:id="rId11"/>
+    <p:sldId id="269" r:id="rId12"/>
+    <p:sldId id="270" r:id="rId13"/>
+    <p:sldId id="271" r:id="rId14"/>
+    <p:sldId id="272" r:id="rId15"/>
+    <p:sldId id="273" r:id="rId16"/>
+    <p:sldId id="274" r:id="rId17"/>
   </p:sldIdLst>
   <p:sldSz cx="12192000" cy="6858000"/>
   <p:notesSz cx="6858000" cy="9144000"/>
@@ -342,7 +352,7 @@
             <a:fld id="{5586B75A-687E-405C-8A0B-8D00578BA2C3}" type="datetimeFigureOut">
               <a:rPr lang="en-US" dirty="0"/>
               <a:pPr/>
-              <a:t>8/6/19</a:t>
+              <a:t>8/8/19</a:t>
             </a:fld>
             <a:endParaRPr lang="en-US" dirty="0"/>
           </a:p>
@@ -509,7 +519,7 @@
             <a:fld id="{5586B75A-687E-405C-8A0B-8D00578BA2C3}" type="datetimeFigureOut">
               <a:rPr lang="en-US" dirty="0"/>
               <a:pPr/>
-              <a:t>8/6/19</a:t>
+              <a:t>8/8/19</a:t>
             </a:fld>
             <a:endParaRPr lang="en-US" dirty="0"/>
           </a:p>
@@ -686,7 +696,7 @@
             <a:fld id="{5586B75A-687E-405C-8A0B-8D00578BA2C3}" type="datetimeFigureOut">
               <a:rPr lang="en-US" dirty="0"/>
               <a:pPr/>
-              <a:t>8/6/19</a:t>
+              <a:t>8/8/19</a:t>
             </a:fld>
             <a:endParaRPr lang="en-US" dirty="0"/>
           </a:p>
@@ -853,7 +863,7 @@
             <a:fld id="{5586B75A-687E-405C-8A0B-8D00578BA2C3}" type="datetimeFigureOut">
               <a:rPr lang="en-US" dirty="0"/>
               <a:pPr/>
-              <a:t>8/6/19</a:t>
+              <a:t>8/8/19</a:t>
             </a:fld>
             <a:endParaRPr lang="en-US" dirty="0"/>
           </a:p>
@@ -1108,7 +1118,7 @@
             <a:fld id="{5586B75A-687E-405C-8A0B-8D00578BA2C3}" type="datetimeFigureOut">
               <a:rPr lang="en-US" dirty="0"/>
               <a:pPr/>
-              <a:t>8/6/19</a:t>
+              <a:t>8/8/19</a:t>
             </a:fld>
             <a:endParaRPr lang="en-US" dirty="0"/>
           </a:p>
@@ -1393,7 +1403,7 @@
             <a:fld id="{5586B75A-687E-405C-8A0B-8D00578BA2C3}" type="datetimeFigureOut">
               <a:rPr lang="en-US" dirty="0"/>
               <a:pPr/>
-              <a:t>8/6/19</a:t>
+              <a:t>8/8/19</a:t>
             </a:fld>
             <a:endParaRPr lang="en-US" dirty="0"/>
           </a:p>
@@ -1832,7 +1842,7 @@
             <a:fld id="{5586B75A-687E-405C-8A0B-8D00578BA2C3}" type="datetimeFigureOut">
               <a:rPr lang="en-US" dirty="0"/>
               <a:pPr/>
-              <a:t>8/6/19</a:t>
+              <a:t>8/8/19</a:t>
             </a:fld>
             <a:endParaRPr lang="en-US" dirty="0"/>
           </a:p>
@@ -1947,7 +1957,7 @@
             <a:fld id="{5586B75A-687E-405C-8A0B-8D00578BA2C3}" type="datetimeFigureOut">
               <a:rPr lang="en-US" dirty="0"/>
               <a:pPr/>
-              <a:t>8/6/19</a:t>
+              <a:t>8/8/19</a:t>
             </a:fld>
             <a:endParaRPr lang="en-US" dirty="0"/>
           </a:p>
@@ -2039,7 +2049,7 @@
             <a:fld id="{5586B75A-687E-405C-8A0B-8D00578BA2C3}" type="datetimeFigureOut">
               <a:rPr lang="en-US" dirty="0"/>
               <a:pPr/>
-              <a:t>8/6/19</a:t>
+              <a:t>8/8/19</a:t>
             </a:fld>
             <a:endParaRPr lang="en-US" dirty="0"/>
           </a:p>
@@ -2324,7 +2334,7 @@
             <a:fld id="{5586B75A-687E-405C-8A0B-8D00578BA2C3}" type="datetimeFigureOut">
               <a:rPr lang="en-US" dirty="0"/>
               <a:pPr/>
-              <a:t>8/6/19</a:t>
+              <a:t>8/8/19</a:t>
             </a:fld>
             <a:endParaRPr lang="en-US" dirty="0"/>
           </a:p>
@@ -2594,7 +2604,7 @@
             <a:fld id="{5586B75A-687E-405C-8A0B-8D00578BA2C3}" type="datetimeFigureOut">
               <a:rPr lang="en-US" dirty="0"/>
               <a:pPr/>
-              <a:t>8/6/19</a:t>
+              <a:t>8/8/19</a:t>
             </a:fld>
             <a:endParaRPr lang="en-US" dirty="0"/>
           </a:p>
@@ -2888,7 +2898,7 @@
             <a:fld id="{5586B75A-687E-405C-8A0B-8D00578BA2C3}" type="datetimeFigureOut">
               <a:rPr lang="en-US" dirty="0"/>
               <a:pPr/>
-              <a:t>8/6/19</a:t>
+              <a:t>8/8/19</a:t>
             </a:fld>
             <a:endParaRPr lang="en-US" dirty="0"/>
           </a:p>
@@ -3395,28 +3405,17 @@
           </a:bodyPr>
           <a:lstStyle/>
           <a:p>
+            <a:pPr algn="ctr"/>
             <a:br>
               <a:rPr lang="en-AU" sz="2400" dirty="0"/>
             </a:br>
             <a:r>
-              <a:rPr lang="en-AU" sz="3200" dirty="0"/>
-              <a:t>We are a newly formed project team. </a:t>
+              <a:rPr lang="en-AU" sz="4400" b="1" dirty="0"/>
+              <a:t>WELCOME</a:t>
             </a:r>
             <a:br>
               <a:rPr lang="en-AU" sz="3200" dirty="0"/>
             </a:br>
-            <a:r>
-              <a:rPr lang="en-AU" sz="3200" dirty="0"/>
-              <a:t>Based on the existing academic curriculum planning support system, we are</a:t>
-            </a:r>
-            <a:r>
-              <a:rPr lang="zh-CN" altLang="en-US" sz="3200" dirty="0"/>
-              <a:t> </a:t>
-            </a:r>
-            <a:r>
-              <a:rPr lang="en-AU" sz="3200" dirty="0"/>
-              <a:t>launching a project to further improve its functionality and user experience.</a:t>
-            </a:r>
             <a:endParaRPr lang="en-US" sz="2400" dirty="0"/>
           </a:p>
         </p:txBody>
@@ -3446,15 +3445,6 @@
               <a:buNone/>
             </a:pPr>
             <a:endParaRPr lang="en-US" sz="2400" b="1" dirty="0"/>
-          </a:p>
-          <a:p>
-            <a:pPr marL="0" indent="0">
-              <a:buNone/>
-            </a:pPr>
-            <a:r>
-              <a:rPr lang="en-US" sz="2400" b="1" dirty="0"/>
-              <a:t>Team Members: </a:t>
-            </a:r>
           </a:p>
           <a:p>
             <a:pPr marL="0" indent="0">
@@ -3500,7 +3490,7 @@
           <a:p>
             <a:pPr algn="ctr"/>
             <a:r>
-              <a:rPr lang="en-US" sz="4800" b="1" dirty="0">
+              <a:rPr lang="en-AU" sz="4800" b="1" dirty="0">
                 <a:ln w="9525">
                   <a:solidFill>
                     <a:schemeClr val="bg1"/>
@@ -3515,18 +3505,15 @@
                   </a:outerShdw>
                 </a:effectLst>
               </a:rPr>
-              <a:t>Million Coursework Students</a:t>
-            </a:r>
-            <a:endParaRPr lang="en-US" sz="4800" b="1" cap="none" spc="0" dirty="0">
+              <a:t>Intelligent Course Scheduler</a:t>
+            </a:r>
+            <a:endParaRPr lang="en-US" sz="4800" b="1" dirty="0">
               <a:ln w="9525">
                 <a:solidFill>
                   <a:schemeClr val="bg1"/>
                 </a:solidFill>
                 <a:prstDash val="solid"/>
               </a:ln>
-              <a:solidFill>
-                <a:schemeClr val="tx1"/>
-              </a:solidFill>
               <a:effectLst>
                 <a:outerShdw blurRad="12700" dist="38100" dir="2700000" algn="tl" rotWithShape="0">
                   <a:schemeClr val="bg1">
@@ -3538,469 +3525,6 @@
           </a:p>
         </p:txBody>
       </p:sp>
-      <p:graphicFrame>
-        <p:nvGraphicFramePr>
-          <p:cNvPr id="8" name="Table 7">
-            <a:extLst>
-              <a:ext uri="{FF2B5EF4-FFF2-40B4-BE49-F238E27FC236}">
-                <a16:creationId xmlns:a16="http://schemas.microsoft.com/office/drawing/2014/main" id="{B698DF5F-7C4B-B14D-811F-E39F9766CCB4}"/>
-              </a:ext>
-            </a:extLst>
-          </p:cNvPr>
-          <p:cNvGraphicFramePr>
-            <a:graphicFrameLocks noGrp="1"/>
-          </p:cNvGraphicFramePr>
-          <p:nvPr>
-            <p:extLst>
-              <p:ext uri="{D42A27DB-BD31-4B8C-83A1-F6EECF244321}">
-                <p14:modId xmlns:p14="http://schemas.microsoft.com/office/powerpoint/2010/main" val="2881110642"/>
-              </p:ext>
-            </p:extLst>
-          </p:nvPr>
-        </p:nvGraphicFramePr>
-        <p:xfrm>
-          <a:off x="4588088" y="3626222"/>
-          <a:ext cx="6596380" cy="2080260"/>
-        </p:xfrm>
-        <a:graphic>
-          <a:graphicData uri="http://schemas.openxmlformats.org/drawingml/2006/table">
-            <a:tbl>
-              <a:tblPr firstRow="1" firstCol="1" bandRow="1">
-                <a:tableStyleId>{5C22544A-7EE6-4342-B048-85BDC9FD1C3A}</a:tableStyleId>
-              </a:tblPr>
-              <a:tblGrid>
-                <a:gridCol w="3298190">
-                  <a:extLst>
-                    <a:ext uri="{9D8B030D-6E8A-4147-A177-3AD203B41FA5}">
-                      <a16:colId xmlns:a16="http://schemas.microsoft.com/office/drawing/2014/main" val="252146712"/>
-                    </a:ext>
-                  </a:extLst>
-                </a:gridCol>
-                <a:gridCol w="3298190">
-                  <a:extLst>
-                    <a:ext uri="{9D8B030D-6E8A-4147-A177-3AD203B41FA5}">
-                      <a16:colId xmlns:a16="http://schemas.microsoft.com/office/drawing/2014/main" val="1905882787"/>
-                    </a:ext>
-                  </a:extLst>
-                </a:gridCol>
-              </a:tblGrid>
-              <a:tr h="0">
-                <a:tc>
-                  <a:txBody>
-                    <a:bodyPr/>
-                    <a:lstStyle/>
-                    <a:p>
-                      <a:pPr>
-                        <a:spcAft>
-                          <a:spcPts val="1200"/>
-                        </a:spcAft>
-                      </a:pPr>
-                      <a:r>
-                        <a:rPr lang="en-AU" sz="1200">
-                          <a:effectLst/>
-                        </a:rPr>
-                        <a:t>Kundu Gui</a:t>
-                      </a:r>
-                      <a:endParaRPr lang="en-AU" sz="1200">
-                        <a:effectLst/>
-                        <a:latin typeface="Calibri" panose="020F0502020204030204" pitchFamily="34" charset="0"/>
-                        <a:ea typeface="DengXian" panose="02010600030101010101" pitchFamily="2" charset="-122"/>
-                        <a:cs typeface="Times New Roman" panose="02020603050405020304" pitchFamily="18" charset="0"/>
-                      </a:endParaRPr>
-                    </a:p>
-                  </a:txBody>
-                  <a:tcPr marL="123825" marR="123825" marT="57150" marB="57150" anchor="ctr"/>
-                </a:tc>
-                <a:tc>
-                  <a:txBody>
-                    <a:bodyPr/>
-                    <a:lstStyle/>
-                    <a:p>
-                      <a:pPr>
-                        <a:spcAft>
-                          <a:spcPts val="1200"/>
-                        </a:spcAft>
-                      </a:pPr>
-                      <a:r>
-                        <a:rPr lang="en-AU" sz="1200" dirty="0">
-                          <a:effectLst/>
-                        </a:rPr>
-                        <a:t>Project manager</a:t>
-                      </a:r>
-                      <a:endParaRPr lang="en-AU" sz="1200" dirty="0">
-                        <a:effectLst/>
-                        <a:latin typeface="Calibri" panose="020F0502020204030204" pitchFamily="34" charset="0"/>
-                        <a:ea typeface="DengXian" panose="02010600030101010101" pitchFamily="2" charset="-122"/>
-                        <a:cs typeface="Times New Roman" panose="02020603050405020304" pitchFamily="18" charset="0"/>
-                      </a:endParaRPr>
-                    </a:p>
-                  </a:txBody>
-                  <a:tcPr marL="123825" marR="123825" marT="57150" marB="57150" anchor="ctr"/>
-                </a:tc>
-                <a:extLst>
-                  <a:ext uri="{0D108BD9-81ED-4DB2-BD59-A6C34878D82A}">
-                    <a16:rowId xmlns:a16="http://schemas.microsoft.com/office/drawing/2014/main" val="3168365204"/>
-                  </a:ext>
-                </a:extLst>
-              </a:tr>
-              <a:tr h="0">
-                <a:tc>
-                  <a:txBody>
-                    <a:bodyPr/>
-                    <a:lstStyle/>
-                    <a:p>
-                      <a:pPr>
-                        <a:spcAft>
-                          <a:spcPts val="1200"/>
-                        </a:spcAft>
-                      </a:pPr>
-                      <a:r>
-                        <a:rPr lang="en-AU" sz="1200">
-                          <a:effectLst/>
-                        </a:rPr>
-                        <a:t>Rui Zhang</a:t>
-                      </a:r>
-                      <a:endParaRPr lang="en-AU" sz="1200">
-                        <a:effectLst/>
-                        <a:latin typeface="Calibri" panose="020F0502020204030204" pitchFamily="34" charset="0"/>
-                        <a:ea typeface="DengXian" panose="02010600030101010101" pitchFamily="2" charset="-122"/>
-                        <a:cs typeface="Times New Roman" panose="02020603050405020304" pitchFamily="18" charset="0"/>
-                      </a:endParaRPr>
-                    </a:p>
-                  </a:txBody>
-                  <a:tcPr marL="123825" marR="123825" marT="57150" marB="57150" anchor="ctr"/>
-                </a:tc>
-                <a:tc>
-                  <a:txBody>
-                    <a:bodyPr/>
-                    <a:lstStyle/>
-                    <a:p>
-                      <a:pPr>
-                        <a:spcAft>
-                          <a:spcPts val="1200"/>
-                        </a:spcAft>
-                      </a:pPr>
-                      <a:r>
-                        <a:rPr lang="en-AU" sz="1200" dirty="0">
-                          <a:effectLst/>
-                        </a:rPr>
-                        <a:t>Developer and Risk Manager</a:t>
-                      </a:r>
-                      <a:endParaRPr lang="en-AU" sz="1200" dirty="0">
-                        <a:effectLst/>
-                        <a:latin typeface="Calibri" panose="020F0502020204030204" pitchFamily="34" charset="0"/>
-                        <a:ea typeface="DengXian" panose="02010600030101010101" pitchFamily="2" charset="-122"/>
-                        <a:cs typeface="Times New Roman" panose="02020603050405020304" pitchFamily="18" charset="0"/>
-                      </a:endParaRPr>
-                    </a:p>
-                  </a:txBody>
-                  <a:tcPr marL="123825" marR="123825" marT="57150" marB="57150" anchor="ctr"/>
-                </a:tc>
-                <a:extLst>
-                  <a:ext uri="{0D108BD9-81ED-4DB2-BD59-A6C34878D82A}">
-                    <a16:rowId xmlns:a16="http://schemas.microsoft.com/office/drawing/2014/main" val="1976202098"/>
-                  </a:ext>
-                </a:extLst>
-              </a:tr>
-              <a:tr h="0">
-                <a:tc>
-                  <a:txBody>
-                    <a:bodyPr/>
-                    <a:lstStyle/>
-                    <a:p>
-                      <a:pPr>
-                        <a:spcAft>
-                          <a:spcPts val="1200"/>
-                        </a:spcAft>
-                      </a:pPr>
-                      <a:r>
-                        <a:rPr lang="en-AU" sz="1200">
-                          <a:effectLst/>
-                        </a:rPr>
-                        <a:t>Sayed Zulfikar</a:t>
-                      </a:r>
-                      <a:endParaRPr lang="en-AU" sz="1200">
-                        <a:effectLst/>
-                        <a:latin typeface="Calibri" panose="020F0502020204030204" pitchFamily="34" charset="0"/>
-                        <a:ea typeface="DengXian" panose="02010600030101010101" pitchFamily="2" charset="-122"/>
-                        <a:cs typeface="Times New Roman" panose="02020603050405020304" pitchFamily="18" charset="0"/>
-                      </a:endParaRPr>
-                    </a:p>
-                  </a:txBody>
-                  <a:tcPr marL="123825" marR="123825" marT="57150" marB="57150" anchor="ctr"/>
-                </a:tc>
-                <a:tc>
-                  <a:txBody>
-                    <a:bodyPr/>
-                    <a:lstStyle/>
-                    <a:p>
-                      <a:pPr>
-                        <a:spcAft>
-                          <a:spcPts val="1200"/>
-                        </a:spcAft>
-                      </a:pPr>
-                      <a:r>
-                        <a:rPr lang="en-AU" sz="1200">
-                          <a:effectLst/>
-                        </a:rPr>
-                        <a:t>UX Designer</a:t>
-                      </a:r>
-                      <a:endParaRPr lang="en-AU" sz="1200">
-                        <a:effectLst/>
-                        <a:latin typeface="Calibri" panose="020F0502020204030204" pitchFamily="34" charset="0"/>
-                        <a:ea typeface="DengXian" panose="02010600030101010101" pitchFamily="2" charset="-122"/>
-                        <a:cs typeface="Times New Roman" panose="02020603050405020304" pitchFamily="18" charset="0"/>
-                      </a:endParaRPr>
-                    </a:p>
-                  </a:txBody>
-                  <a:tcPr marL="123825" marR="123825" marT="57150" marB="57150" anchor="ctr"/>
-                </a:tc>
-                <a:extLst>
-                  <a:ext uri="{0D108BD9-81ED-4DB2-BD59-A6C34878D82A}">
-                    <a16:rowId xmlns:a16="http://schemas.microsoft.com/office/drawing/2014/main" val="632433031"/>
-                  </a:ext>
-                </a:extLst>
-              </a:tr>
-              <a:tr h="0">
-                <a:tc>
-                  <a:txBody>
-                    <a:bodyPr/>
-                    <a:lstStyle/>
-                    <a:p>
-                      <a:pPr>
-                        <a:spcAft>
-                          <a:spcPts val="1200"/>
-                        </a:spcAft>
-                      </a:pPr>
-                      <a:r>
-                        <a:rPr lang="en-AU" sz="1200">
-                          <a:effectLst/>
-                        </a:rPr>
-                        <a:t>Zifeng Liu</a:t>
-                      </a:r>
-                      <a:endParaRPr lang="en-AU" sz="1200">
-                        <a:effectLst/>
-                        <a:latin typeface="Calibri" panose="020F0502020204030204" pitchFamily="34" charset="0"/>
-                        <a:ea typeface="DengXian" panose="02010600030101010101" pitchFamily="2" charset="-122"/>
-                        <a:cs typeface="Times New Roman" panose="02020603050405020304" pitchFamily="18" charset="0"/>
-                      </a:endParaRPr>
-                    </a:p>
-                  </a:txBody>
-                  <a:tcPr marL="123825" marR="123825" marT="57150" marB="57150" anchor="ctr"/>
-                </a:tc>
-                <a:tc>
-                  <a:txBody>
-                    <a:bodyPr/>
-                    <a:lstStyle/>
-                    <a:p>
-                      <a:pPr>
-                        <a:spcAft>
-                          <a:spcPts val="1200"/>
-                        </a:spcAft>
-                      </a:pPr>
-                      <a:r>
-                        <a:rPr lang="en-AU" sz="1200">
-                          <a:effectLst/>
-                        </a:rPr>
-                        <a:t>Developer</a:t>
-                      </a:r>
-                      <a:endParaRPr lang="en-AU" sz="1200">
-                        <a:effectLst/>
-                        <a:latin typeface="Calibri" panose="020F0502020204030204" pitchFamily="34" charset="0"/>
-                        <a:ea typeface="DengXian" panose="02010600030101010101" pitchFamily="2" charset="-122"/>
-                        <a:cs typeface="Times New Roman" panose="02020603050405020304" pitchFamily="18" charset="0"/>
-                      </a:endParaRPr>
-                    </a:p>
-                  </a:txBody>
-                  <a:tcPr marL="123825" marR="123825" marT="57150" marB="57150" anchor="ctr"/>
-                </a:tc>
-                <a:extLst>
-                  <a:ext uri="{0D108BD9-81ED-4DB2-BD59-A6C34878D82A}">
-                    <a16:rowId xmlns:a16="http://schemas.microsoft.com/office/drawing/2014/main" val="4281406987"/>
-                  </a:ext>
-                </a:extLst>
-              </a:tr>
-              <a:tr h="0">
-                <a:tc>
-                  <a:txBody>
-                    <a:bodyPr/>
-                    <a:lstStyle/>
-                    <a:p>
-                      <a:pPr>
-                        <a:spcAft>
-                          <a:spcPts val="1200"/>
-                        </a:spcAft>
-                      </a:pPr>
-                      <a:r>
-                        <a:rPr lang="en-AU" sz="1200">
-                          <a:effectLst/>
-                        </a:rPr>
-                        <a:t>Xiangyu Chen</a:t>
-                      </a:r>
-                      <a:endParaRPr lang="en-AU" sz="1200">
-                        <a:effectLst/>
-                        <a:latin typeface="Calibri" panose="020F0502020204030204" pitchFamily="34" charset="0"/>
-                        <a:ea typeface="DengXian" panose="02010600030101010101" pitchFamily="2" charset="-122"/>
-                        <a:cs typeface="Times New Roman" panose="02020603050405020304" pitchFamily="18" charset="0"/>
-                      </a:endParaRPr>
-                    </a:p>
-                  </a:txBody>
-                  <a:tcPr marL="123825" marR="123825" marT="57150" marB="57150" anchor="ctr"/>
-                </a:tc>
-                <a:tc>
-                  <a:txBody>
-                    <a:bodyPr/>
-                    <a:lstStyle/>
-                    <a:p>
-                      <a:pPr>
-                        <a:spcAft>
-                          <a:spcPts val="1200"/>
-                        </a:spcAft>
-                      </a:pPr>
-                      <a:r>
-                        <a:rPr lang="en-AU" sz="1200">
-                          <a:effectLst/>
-                        </a:rPr>
-                        <a:t>Developer</a:t>
-                      </a:r>
-                      <a:endParaRPr lang="en-AU" sz="1200">
-                        <a:effectLst/>
-                        <a:latin typeface="Calibri" panose="020F0502020204030204" pitchFamily="34" charset="0"/>
-                        <a:ea typeface="DengXian" panose="02010600030101010101" pitchFamily="2" charset="-122"/>
-                        <a:cs typeface="Times New Roman" panose="02020603050405020304" pitchFamily="18" charset="0"/>
-                      </a:endParaRPr>
-                    </a:p>
-                  </a:txBody>
-                  <a:tcPr marL="123825" marR="123825" marT="57150" marB="57150" anchor="ctr"/>
-                </a:tc>
-                <a:extLst>
-                  <a:ext uri="{0D108BD9-81ED-4DB2-BD59-A6C34878D82A}">
-                    <a16:rowId xmlns:a16="http://schemas.microsoft.com/office/drawing/2014/main" val="3278376563"/>
-                  </a:ext>
-                </a:extLst>
-              </a:tr>
-              <a:tr h="0">
-                <a:tc>
-                  <a:txBody>
-                    <a:bodyPr/>
-                    <a:lstStyle/>
-                    <a:p>
-                      <a:pPr>
-                        <a:spcAft>
-                          <a:spcPts val="1200"/>
-                        </a:spcAft>
-                      </a:pPr>
-                      <a:r>
-                        <a:rPr lang="en-AU" sz="1200">
-                          <a:effectLst/>
-                        </a:rPr>
-                        <a:t>Lingyu Xia</a:t>
-                      </a:r>
-                      <a:endParaRPr lang="en-AU" sz="1200">
-                        <a:effectLst/>
-                        <a:latin typeface="Calibri" panose="020F0502020204030204" pitchFamily="34" charset="0"/>
-                        <a:ea typeface="DengXian" panose="02010600030101010101" pitchFamily="2" charset="-122"/>
-                        <a:cs typeface="Times New Roman" panose="02020603050405020304" pitchFamily="18" charset="0"/>
-                      </a:endParaRPr>
-                    </a:p>
-                  </a:txBody>
-                  <a:tcPr marL="123825" marR="123825" marT="57150" marB="57150" anchor="ctr"/>
-                </a:tc>
-                <a:tc>
-                  <a:txBody>
-                    <a:bodyPr/>
-                    <a:lstStyle/>
-                    <a:p>
-                      <a:pPr>
-                        <a:spcAft>
-                          <a:spcPts val="1200"/>
-                        </a:spcAft>
-                      </a:pPr>
-                      <a:r>
-                        <a:rPr lang="en-AU" sz="1200">
-                          <a:effectLst/>
-                        </a:rPr>
-                        <a:t>Developer</a:t>
-                      </a:r>
-                      <a:endParaRPr lang="en-AU" sz="1200">
-                        <a:effectLst/>
-                        <a:latin typeface="Calibri" panose="020F0502020204030204" pitchFamily="34" charset="0"/>
-                        <a:ea typeface="DengXian" panose="02010600030101010101" pitchFamily="2" charset="-122"/>
-                        <a:cs typeface="Times New Roman" panose="02020603050405020304" pitchFamily="18" charset="0"/>
-                      </a:endParaRPr>
-                    </a:p>
-                  </a:txBody>
-                  <a:tcPr marL="123825" marR="123825" marT="57150" marB="57150" anchor="ctr"/>
-                </a:tc>
-                <a:extLst>
-                  <a:ext uri="{0D108BD9-81ED-4DB2-BD59-A6C34878D82A}">
-                    <a16:rowId xmlns:a16="http://schemas.microsoft.com/office/drawing/2014/main" val="130966603"/>
-                  </a:ext>
-                </a:extLst>
-              </a:tr>
-              <a:tr h="0">
-                <a:tc>
-                  <a:txBody>
-                    <a:bodyPr/>
-                    <a:lstStyle/>
-                    <a:p>
-                      <a:pPr>
-                        <a:spcAft>
-                          <a:spcPts val="1200"/>
-                        </a:spcAft>
-                      </a:pPr>
-                      <a:r>
-                        <a:rPr lang="en-AU" sz="1200">
-                          <a:effectLst/>
-                        </a:rPr>
-                        <a:t>Yichen Li</a:t>
-                      </a:r>
-                      <a:endParaRPr lang="en-AU" sz="1200">
-                        <a:effectLst/>
-                        <a:latin typeface="Calibri" panose="020F0502020204030204" pitchFamily="34" charset="0"/>
-                        <a:ea typeface="DengXian" panose="02010600030101010101" pitchFamily="2" charset="-122"/>
-                        <a:cs typeface="Times New Roman" panose="02020603050405020304" pitchFamily="18" charset="0"/>
-                      </a:endParaRPr>
-                    </a:p>
-                  </a:txBody>
-                  <a:tcPr marL="123825" marR="123825" marT="57150" marB="57150" anchor="ctr"/>
-                </a:tc>
-                <a:tc>
-                  <a:txBody>
-                    <a:bodyPr/>
-                    <a:lstStyle/>
-                    <a:p>
-                      <a:pPr>
-                        <a:spcAft>
-                          <a:spcPts val="1200"/>
-                        </a:spcAft>
-                      </a:pPr>
-                      <a:r>
-                        <a:rPr lang="en-AU" sz="1200" dirty="0">
-                          <a:effectLst/>
-                        </a:rPr>
-                        <a:t>Client Liaison</a:t>
-                      </a:r>
-                      <a:endParaRPr lang="en-AU" sz="1200" dirty="0">
-                        <a:effectLst/>
-                        <a:latin typeface="Calibri" panose="020F0502020204030204" pitchFamily="34" charset="0"/>
-                        <a:ea typeface="DengXian" panose="02010600030101010101" pitchFamily="2" charset="-122"/>
-                        <a:cs typeface="Times New Roman" panose="02020603050405020304" pitchFamily="18" charset="0"/>
-                      </a:endParaRPr>
-                    </a:p>
-                  </a:txBody>
-                  <a:tcPr marL="123825" marR="123825" marT="57150" marB="57150" anchor="ctr"/>
-                </a:tc>
-                <a:extLst>
-                  <a:ext uri="{0D108BD9-81ED-4DB2-BD59-A6C34878D82A}">
-                    <a16:rowId xmlns:a16="http://schemas.microsoft.com/office/drawing/2014/main" val="376754057"/>
-                  </a:ext>
-                </a:extLst>
-              </a:tr>
-            </a:tbl>
-          </a:graphicData>
-        </a:graphic>
-      </p:graphicFrame>
       <p:pic>
         <p:nvPicPr>
           <p:cNvPr id="10" name="Picture 9">
@@ -4017,14 +3541,13 @@
         </p:nvPicPr>
         <p:blipFill>
           <a:blip r:embed="rId2"/>
-          <a:stretch>
-            <a:fillRect/>
-          </a:stretch>
+          <a:srcRect/>
+          <a:stretch/>
         </p:blipFill>
         <p:spPr>
           <a:xfrm>
-            <a:off x="6096000" y="1151518"/>
-            <a:ext cx="4142018" cy="1951897"/>
+            <a:off x="3869268" y="1123837"/>
+            <a:ext cx="7315200" cy="4860911"/>
           </a:xfrm>
           <a:prstGeom prst="rect">
             <a:avLst/>
@@ -4051,6 +3574,1443 @@
 </p:sld>
 </file>
 
+<file path=ppt/slides/slide10.xml><?xml version="1.0" encoding="utf-8"?>
+<p:sld xmlns:a="http://schemas.openxmlformats.org/drawingml/2006/main" xmlns:r="http://schemas.openxmlformats.org/officeDocument/2006/relationships" xmlns:p="http://schemas.openxmlformats.org/presentationml/2006/main">
+  <p:cSld>
+    <p:spTree>
+      <p:nvGrpSpPr>
+        <p:cNvPr id="1" name=""/>
+        <p:cNvGrpSpPr/>
+        <p:nvPr/>
+      </p:nvGrpSpPr>
+      <p:grpSpPr>
+        <a:xfrm>
+          <a:off x="0" y="0"/>
+          <a:ext cx="0" cy="0"/>
+          <a:chOff x="0" y="0"/>
+          <a:chExt cx="0" cy="0"/>
+        </a:xfrm>
+      </p:grpSpPr>
+      <p:sp>
+        <p:nvSpPr>
+          <p:cNvPr id="2" name="Title 1">
+            <a:extLst>
+              <a:ext uri="{FF2B5EF4-FFF2-40B4-BE49-F238E27FC236}">
+                <a16:creationId xmlns:a16="http://schemas.microsoft.com/office/drawing/2014/main" id="{1676D069-A350-984E-BF8B-A7E9F357E08C}"/>
+              </a:ext>
+            </a:extLst>
+          </p:cNvPr>
+          <p:cNvSpPr>
+            <a:spLocks noGrp="1"/>
+          </p:cNvSpPr>
+          <p:nvPr>
+            <p:ph type="title"/>
+          </p:nvPr>
+        </p:nvSpPr>
+        <p:spPr/>
+        <p:txBody>
+          <a:bodyPr/>
+          <a:lstStyle/>
+          <a:p>
+            <a:pPr algn="ctr"/>
+            <a:r>
+              <a:rPr lang="en-AU" b="1" dirty="0"/>
+              <a:t>Task management</a:t>
+            </a:r>
+            <a:br>
+              <a:rPr lang="en-AU" b="1" dirty="0"/>
+            </a:br>
+            <a:br>
+              <a:rPr lang="en-AU" b="1" dirty="0"/>
+            </a:br>
+            <a:r>
+              <a:rPr lang="en-AU" sz="3200" b="1" dirty="0"/>
+              <a:t>Trello board "Million Course Project"</a:t>
+            </a:r>
+            <a:endParaRPr lang="en-US" dirty="0"/>
+          </a:p>
+        </p:txBody>
+      </p:sp>
+      <p:pic>
+        <p:nvPicPr>
+          <p:cNvPr id="6" name="Content Placeholder 5">
+            <a:extLst>
+              <a:ext uri="{FF2B5EF4-FFF2-40B4-BE49-F238E27FC236}">
+                <a16:creationId xmlns:a16="http://schemas.microsoft.com/office/drawing/2014/main" id="{B22DD6B0-5688-834E-95CF-B7408DC12F9D}"/>
+              </a:ext>
+            </a:extLst>
+          </p:cNvPr>
+          <p:cNvPicPr>
+            <a:picLocks noGrp="1" noChangeAspect="1"/>
+          </p:cNvPicPr>
+          <p:nvPr>
+            <p:ph idx="1"/>
+          </p:nvPr>
+        </p:nvPicPr>
+        <p:blipFill>
+          <a:blip r:embed="rId2"/>
+          <a:stretch>
+            <a:fillRect/>
+          </a:stretch>
+        </p:blipFill>
+        <p:spPr>
+          <a:xfrm>
+            <a:off x="3868738" y="1629534"/>
+            <a:ext cx="7315200" cy="3589407"/>
+          </a:xfrm>
+        </p:spPr>
+      </p:pic>
+      <p:sp>
+        <p:nvSpPr>
+          <p:cNvPr id="4" name="Rectangle 3">
+            <a:extLst>
+              <a:ext uri="{FF2B5EF4-FFF2-40B4-BE49-F238E27FC236}">
+                <a16:creationId xmlns:a16="http://schemas.microsoft.com/office/drawing/2014/main" id="{1F3ABC25-F792-4045-A399-BA1A09164426}"/>
+              </a:ext>
+            </a:extLst>
+          </p:cNvPr>
+          <p:cNvSpPr/>
+          <p:nvPr/>
+        </p:nvSpPr>
+        <p:spPr>
+          <a:xfrm>
+            <a:off x="3159679" y="292840"/>
+            <a:ext cx="8734377" cy="830997"/>
+          </a:xfrm>
+          <a:prstGeom prst="rect">
+            <a:avLst/>
+          </a:prstGeom>
+          <a:noFill/>
+        </p:spPr>
+        <p:txBody>
+          <a:bodyPr wrap="square" lIns="91440" tIns="45720" rIns="91440" bIns="45720">
+            <a:spAutoFit/>
+          </a:bodyPr>
+          <a:lstStyle/>
+          <a:p>
+            <a:pPr algn="ctr"/>
+            <a:r>
+              <a:rPr lang="en-AU" sz="4800" b="1" dirty="0">
+                <a:ln w="9525">
+                  <a:solidFill>
+                    <a:schemeClr val="bg1"/>
+                  </a:solidFill>
+                  <a:prstDash val="solid"/>
+                </a:ln>
+                <a:effectLst>
+                  <a:outerShdw blurRad="12700" dist="38100" dir="2700000" algn="tl" rotWithShape="0">
+                    <a:schemeClr val="bg1">
+                      <a:lumMod val="50000"/>
+                    </a:schemeClr>
+                  </a:outerShdw>
+                </a:effectLst>
+              </a:rPr>
+              <a:t>Intelligent Course Scheduler</a:t>
+            </a:r>
+            <a:endParaRPr lang="en-US" sz="4800" b="1" dirty="0">
+              <a:ln w="9525">
+                <a:solidFill>
+                  <a:schemeClr val="bg1"/>
+                </a:solidFill>
+                <a:prstDash val="solid"/>
+              </a:ln>
+              <a:effectLst>
+                <a:outerShdw blurRad="12700" dist="38100" dir="2700000" algn="tl" rotWithShape="0">
+                  <a:schemeClr val="bg1">
+                    <a:lumMod val="50000"/>
+                  </a:schemeClr>
+                </a:outerShdw>
+              </a:effectLst>
+            </a:endParaRPr>
+          </a:p>
+        </p:txBody>
+      </p:sp>
+      <p:sp>
+        <p:nvSpPr>
+          <p:cNvPr id="7" name="TextBox 6">
+            <a:extLst>
+              <a:ext uri="{FF2B5EF4-FFF2-40B4-BE49-F238E27FC236}">
+                <a16:creationId xmlns:a16="http://schemas.microsoft.com/office/drawing/2014/main" id="{97B3A5B7-BF14-A449-AA77-B8945D8B794A}"/>
+              </a:ext>
+            </a:extLst>
+          </p:cNvPr>
+          <p:cNvSpPr txBox="1"/>
+          <p:nvPr/>
+        </p:nvSpPr>
+        <p:spPr>
+          <a:xfrm>
+            <a:off x="4868206" y="5355306"/>
+            <a:ext cx="5316264" cy="369332"/>
+          </a:xfrm>
+          <a:prstGeom prst="rect">
+            <a:avLst/>
+          </a:prstGeom>
+          <a:noFill/>
+        </p:spPr>
+        <p:txBody>
+          <a:bodyPr wrap="none" rtlCol="0">
+            <a:spAutoFit/>
+          </a:bodyPr>
+          <a:lstStyle/>
+          <a:p>
+            <a:r>
+              <a:rPr lang="en-AU" dirty="0">
+                <a:hlinkClick r:id="rId3"/>
+              </a:rPr>
+              <a:t>https://trello.com/b/NZ6f3hWP/million-course-project</a:t>
+            </a:r>
+            <a:endParaRPr lang="en-US" dirty="0"/>
+          </a:p>
+        </p:txBody>
+      </p:sp>
+    </p:spTree>
+    <p:extLst>
+      <p:ext uri="{BB962C8B-B14F-4D97-AF65-F5344CB8AC3E}">
+        <p14:creationId xmlns:p14="http://schemas.microsoft.com/office/powerpoint/2010/main" val="2009188997"/>
+      </p:ext>
+    </p:extLst>
+  </p:cSld>
+  <p:clrMapOvr>
+    <a:masterClrMapping/>
+  </p:clrMapOvr>
+</p:sld>
+</file>
+
+<file path=ppt/slides/slide11.xml><?xml version="1.0" encoding="utf-8"?>
+<p:sld xmlns:a="http://schemas.openxmlformats.org/drawingml/2006/main" xmlns:r="http://schemas.openxmlformats.org/officeDocument/2006/relationships" xmlns:p="http://schemas.openxmlformats.org/presentationml/2006/main">
+  <p:cSld>
+    <p:spTree>
+      <p:nvGrpSpPr>
+        <p:cNvPr id="1" name=""/>
+        <p:cNvGrpSpPr/>
+        <p:nvPr/>
+      </p:nvGrpSpPr>
+      <p:grpSpPr>
+        <a:xfrm>
+          <a:off x="0" y="0"/>
+          <a:ext cx="0" cy="0"/>
+          <a:chOff x="0" y="0"/>
+          <a:chExt cx="0" cy="0"/>
+        </a:xfrm>
+      </p:grpSpPr>
+      <p:sp>
+        <p:nvSpPr>
+          <p:cNvPr id="2" name="Title 1">
+            <a:extLst>
+              <a:ext uri="{FF2B5EF4-FFF2-40B4-BE49-F238E27FC236}">
+                <a16:creationId xmlns:a16="http://schemas.microsoft.com/office/drawing/2014/main" id="{F3998334-7A40-0E49-AD29-ADFC720481A3}"/>
+              </a:ext>
+            </a:extLst>
+          </p:cNvPr>
+          <p:cNvSpPr>
+            <a:spLocks noGrp="1"/>
+          </p:cNvSpPr>
+          <p:nvPr>
+            <p:ph type="title"/>
+          </p:nvPr>
+        </p:nvSpPr>
+        <p:spPr/>
+        <p:txBody>
+          <a:bodyPr/>
+          <a:lstStyle/>
+          <a:p>
+            <a:r>
+              <a:rPr lang="en-AU" b="1" dirty="0"/>
+              <a:t>Contribution management</a:t>
+            </a:r>
+            <a:br>
+              <a:rPr lang="en-AU" b="1" dirty="0"/>
+            </a:br>
+            <a:br>
+              <a:rPr lang="en-AU" b="1" dirty="0"/>
+            </a:br>
+            <a:r>
+              <a:rPr lang="en-AU" b="1" dirty="0"/>
+              <a:t>Google</a:t>
+            </a:r>
+            <a:r>
+              <a:rPr lang="zh-CN" altLang="en-US" b="1" dirty="0"/>
+              <a:t> </a:t>
+            </a:r>
+            <a:r>
+              <a:rPr lang="en-US" altLang="zh-CN" b="1" dirty="0"/>
+              <a:t>excel</a:t>
+            </a:r>
+            <a:endParaRPr lang="en-US" dirty="0"/>
+          </a:p>
+        </p:txBody>
+      </p:sp>
+      <p:pic>
+        <p:nvPicPr>
+          <p:cNvPr id="5" name="Content Placeholder 4">
+            <a:extLst>
+              <a:ext uri="{FF2B5EF4-FFF2-40B4-BE49-F238E27FC236}">
+                <a16:creationId xmlns:a16="http://schemas.microsoft.com/office/drawing/2014/main" id="{6D7B1401-2EE3-AD44-B395-CA7B4D0A9916}"/>
+              </a:ext>
+            </a:extLst>
+          </p:cNvPr>
+          <p:cNvPicPr>
+            <a:picLocks noGrp="1" noChangeAspect="1"/>
+          </p:cNvPicPr>
+          <p:nvPr>
+            <p:ph idx="1"/>
+          </p:nvPr>
+        </p:nvPicPr>
+        <p:blipFill>
+          <a:blip r:embed="rId2"/>
+          <a:stretch>
+            <a:fillRect/>
+          </a:stretch>
+        </p:blipFill>
+        <p:spPr>
+          <a:xfrm>
+            <a:off x="3868738" y="1638833"/>
+            <a:ext cx="7315200" cy="3570809"/>
+          </a:xfrm>
+        </p:spPr>
+      </p:pic>
+      <p:sp>
+        <p:nvSpPr>
+          <p:cNvPr id="7" name="Rectangle 6">
+            <a:extLst>
+              <a:ext uri="{FF2B5EF4-FFF2-40B4-BE49-F238E27FC236}">
+                <a16:creationId xmlns:a16="http://schemas.microsoft.com/office/drawing/2014/main" id="{E3EA4219-70DF-9C44-AFB0-5BECA345D715}"/>
+              </a:ext>
+            </a:extLst>
+          </p:cNvPr>
+          <p:cNvSpPr/>
+          <p:nvPr/>
+        </p:nvSpPr>
+        <p:spPr>
+          <a:xfrm>
+            <a:off x="3159679" y="292840"/>
+            <a:ext cx="8734377" cy="830997"/>
+          </a:xfrm>
+          <a:prstGeom prst="rect">
+            <a:avLst/>
+          </a:prstGeom>
+          <a:noFill/>
+        </p:spPr>
+        <p:txBody>
+          <a:bodyPr wrap="square" lIns="91440" tIns="45720" rIns="91440" bIns="45720">
+            <a:spAutoFit/>
+          </a:bodyPr>
+          <a:lstStyle/>
+          <a:p>
+            <a:pPr algn="ctr"/>
+            <a:r>
+              <a:rPr lang="en-AU" sz="4800" b="1" dirty="0">
+                <a:ln w="9525">
+                  <a:solidFill>
+                    <a:schemeClr val="bg1"/>
+                  </a:solidFill>
+                  <a:prstDash val="solid"/>
+                </a:ln>
+                <a:effectLst>
+                  <a:outerShdw blurRad="12700" dist="38100" dir="2700000" algn="tl" rotWithShape="0">
+                    <a:schemeClr val="bg1">
+                      <a:lumMod val="50000"/>
+                    </a:schemeClr>
+                  </a:outerShdw>
+                </a:effectLst>
+              </a:rPr>
+              <a:t>Intelligent Course Scheduler</a:t>
+            </a:r>
+            <a:endParaRPr lang="en-US" sz="4800" b="1" dirty="0">
+              <a:ln w="9525">
+                <a:solidFill>
+                  <a:schemeClr val="bg1"/>
+                </a:solidFill>
+                <a:prstDash val="solid"/>
+              </a:ln>
+              <a:effectLst>
+                <a:outerShdw blurRad="12700" dist="38100" dir="2700000" algn="tl" rotWithShape="0">
+                  <a:schemeClr val="bg1">
+                    <a:lumMod val="50000"/>
+                  </a:schemeClr>
+                </a:outerShdw>
+              </a:effectLst>
+            </a:endParaRPr>
+          </a:p>
+        </p:txBody>
+      </p:sp>
+      <p:sp>
+        <p:nvSpPr>
+          <p:cNvPr id="8" name="TextBox 7">
+            <a:extLst>
+              <a:ext uri="{FF2B5EF4-FFF2-40B4-BE49-F238E27FC236}">
+                <a16:creationId xmlns:a16="http://schemas.microsoft.com/office/drawing/2014/main" id="{8F0C43B7-FA99-2748-B296-AE5D2A462F0E}"/>
+              </a:ext>
+            </a:extLst>
+          </p:cNvPr>
+          <p:cNvSpPr txBox="1"/>
+          <p:nvPr/>
+        </p:nvSpPr>
+        <p:spPr>
+          <a:xfrm>
+            <a:off x="519761" y="6240016"/>
+            <a:ext cx="11152477" cy="369332"/>
+          </a:xfrm>
+          <a:prstGeom prst="rect">
+            <a:avLst/>
+          </a:prstGeom>
+          <a:noFill/>
+        </p:spPr>
+        <p:txBody>
+          <a:bodyPr wrap="none" rtlCol="0">
+            <a:spAutoFit/>
+          </a:bodyPr>
+          <a:lstStyle/>
+          <a:p>
+            <a:r>
+              <a:rPr lang="en-AU" dirty="0">
+                <a:hlinkClick r:id="rId3"/>
+              </a:rPr>
+              <a:t>https://docs.google.com/spreadsheets/d/1VDyPTPGakaePHO59xfDXeRE0bjdDeTqzyIgMXlnG3V4/edit?usp=sharing</a:t>
+            </a:r>
+            <a:endParaRPr lang="en-US" dirty="0"/>
+          </a:p>
+        </p:txBody>
+      </p:sp>
+    </p:spTree>
+    <p:extLst>
+      <p:ext uri="{BB962C8B-B14F-4D97-AF65-F5344CB8AC3E}">
+        <p14:creationId xmlns:p14="http://schemas.microsoft.com/office/powerpoint/2010/main" val="474566746"/>
+      </p:ext>
+    </p:extLst>
+  </p:cSld>
+  <p:clrMapOvr>
+    <a:masterClrMapping/>
+  </p:clrMapOvr>
+</p:sld>
+</file>
+
+<file path=ppt/slides/slide12.xml><?xml version="1.0" encoding="utf-8"?>
+<p:sld xmlns:a="http://schemas.openxmlformats.org/drawingml/2006/main" xmlns:r="http://schemas.openxmlformats.org/officeDocument/2006/relationships" xmlns:p="http://schemas.openxmlformats.org/presentationml/2006/main">
+  <p:cSld>
+    <p:spTree>
+      <p:nvGrpSpPr>
+        <p:cNvPr id="1" name=""/>
+        <p:cNvGrpSpPr/>
+        <p:nvPr/>
+      </p:nvGrpSpPr>
+      <p:grpSpPr>
+        <a:xfrm>
+          <a:off x="0" y="0"/>
+          <a:ext cx="0" cy="0"/>
+          <a:chOff x="0" y="0"/>
+          <a:chExt cx="0" cy="0"/>
+        </a:xfrm>
+      </p:grpSpPr>
+      <p:sp>
+        <p:nvSpPr>
+          <p:cNvPr id="2" name="Title 1">
+            <a:extLst>
+              <a:ext uri="{FF2B5EF4-FFF2-40B4-BE49-F238E27FC236}">
+                <a16:creationId xmlns:a16="http://schemas.microsoft.com/office/drawing/2014/main" id="{3CAF4D07-C4A8-D04E-BE22-1D0C4A18BC6B}"/>
+              </a:ext>
+            </a:extLst>
+          </p:cNvPr>
+          <p:cNvSpPr>
+            <a:spLocks noGrp="1"/>
+          </p:cNvSpPr>
+          <p:nvPr>
+            <p:ph type="title"/>
+          </p:nvPr>
+        </p:nvSpPr>
+        <p:spPr/>
+        <p:txBody>
+          <a:bodyPr/>
+          <a:lstStyle/>
+          <a:p>
+            <a:pPr algn="ctr"/>
+            <a:r>
+              <a:rPr lang="en-AU" b="1" dirty="0"/>
+              <a:t>Project Impact</a:t>
+            </a:r>
+            <a:br>
+              <a:rPr lang="en-AU" b="1" dirty="0"/>
+            </a:br>
+            <a:endParaRPr lang="en-US" dirty="0"/>
+          </a:p>
+        </p:txBody>
+      </p:sp>
+      <p:sp>
+        <p:nvSpPr>
+          <p:cNvPr id="3" name="Content Placeholder 2">
+            <a:extLst>
+              <a:ext uri="{FF2B5EF4-FFF2-40B4-BE49-F238E27FC236}">
+                <a16:creationId xmlns:a16="http://schemas.microsoft.com/office/drawing/2014/main" id="{FB4F886B-AD4B-8949-82AB-DEFF8F5F0AF9}"/>
+              </a:ext>
+            </a:extLst>
+          </p:cNvPr>
+          <p:cNvSpPr>
+            <a:spLocks noGrp="1"/>
+          </p:cNvSpPr>
+          <p:nvPr>
+            <p:ph idx="1"/>
+          </p:nvPr>
+        </p:nvSpPr>
+        <p:spPr>
+          <a:xfrm>
+            <a:off x="3869267" y="1123837"/>
+            <a:ext cx="7315200" cy="5120640"/>
+          </a:xfrm>
+        </p:spPr>
+        <p:txBody>
+          <a:bodyPr>
+            <a:normAutofit fontScale="92500" lnSpcReduction="10000"/>
+          </a:bodyPr>
+          <a:lstStyle/>
+          <a:p>
+            <a:r>
+              <a:rPr lang="en-AU" sz="2400" b="1" dirty="0"/>
+              <a:t>Students will be able to experience a better user interface which will make their course selection clear and efficient. The access control function allows Anu staff update the course information as soon as possible which will bring more convenience to students.</a:t>
+            </a:r>
+          </a:p>
+          <a:p>
+            <a:pPr marL="0" indent="0">
+              <a:buNone/>
+            </a:pPr>
+            <a:endParaRPr lang="en-AU" sz="2400" b="1" dirty="0"/>
+          </a:p>
+          <a:p>
+            <a:r>
+              <a:rPr lang="en-AU" sz="2400" b="1" dirty="0"/>
+              <a:t>For some specific majors, some bugs occur when students select course and this website can not be used normally on the mobile services. After fixing these bugs, it could bring a better experience for university students.</a:t>
+            </a:r>
+          </a:p>
+          <a:p>
+            <a:endParaRPr lang="en-AU" sz="2400" b="1" dirty="0"/>
+          </a:p>
+          <a:p>
+            <a:r>
+              <a:rPr lang="en-AU" sz="2400" b="1" dirty="0"/>
+              <a:t>We believe that this project will encourage students to explore more about courses and enable students to consider a greater number of options when enrolling. As a result, the proposed project would enhance student experience and university life.</a:t>
+            </a:r>
+          </a:p>
+        </p:txBody>
+      </p:sp>
+      <p:sp>
+        <p:nvSpPr>
+          <p:cNvPr id="4" name="Rectangle 3">
+            <a:extLst>
+              <a:ext uri="{FF2B5EF4-FFF2-40B4-BE49-F238E27FC236}">
+                <a16:creationId xmlns:a16="http://schemas.microsoft.com/office/drawing/2014/main" id="{67C8CDCD-DF5E-5F46-9B67-26F68FF30BEE}"/>
+              </a:ext>
+            </a:extLst>
+          </p:cNvPr>
+          <p:cNvSpPr/>
+          <p:nvPr/>
+        </p:nvSpPr>
+        <p:spPr>
+          <a:xfrm>
+            <a:off x="3159679" y="292840"/>
+            <a:ext cx="8734377" cy="830997"/>
+          </a:xfrm>
+          <a:prstGeom prst="rect">
+            <a:avLst/>
+          </a:prstGeom>
+          <a:noFill/>
+        </p:spPr>
+        <p:txBody>
+          <a:bodyPr wrap="square" lIns="91440" tIns="45720" rIns="91440" bIns="45720">
+            <a:spAutoFit/>
+          </a:bodyPr>
+          <a:lstStyle/>
+          <a:p>
+            <a:pPr algn="ctr"/>
+            <a:r>
+              <a:rPr lang="en-AU" sz="4800" b="1" dirty="0">
+                <a:ln w="9525">
+                  <a:solidFill>
+                    <a:schemeClr val="bg1"/>
+                  </a:solidFill>
+                  <a:prstDash val="solid"/>
+                </a:ln>
+                <a:effectLst>
+                  <a:outerShdw blurRad="12700" dist="38100" dir="2700000" algn="tl" rotWithShape="0">
+                    <a:schemeClr val="bg1">
+                      <a:lumMod val="50000"/>
+                    </a:schemeClr>
+                  </a:outerShdw>
+                </a:effectLst>
+              </a:rPr>
+              <a:t>Intelligent Course Scheduler</a:t>
+            </a:r>
+            <a:endParaRPr lang="en-US" sz="4800" b="1" dirty="0">
+              <a:ln w="9525">
+                <a:solidFill>
+                  <a:schemeClr val="bg1"/>
+                </a:solidFill>
+                <a:prstDash val="solid"/>
+              </a:ln>
+              <a:effectLst>
+                <a:outerShdw blurRad="12700" dist="38100" dir="2700000" algn="tl" rotWithShape="0">
+                  <a:schemeClr val="bg1">
+                    <a:lumMod val="50000"/>
+                  </a:schemeClr>
+                </a:outerShdw>
+              </a:effectLst>
+            </a:endParaRPr>
+          </a:p>
+        </p:txBody>
+      </p:sp>
+    </p:spTree>
+    <p:extLst>
+      <p:ext uri="{BB962C8B-B14F-4D97-AF65-F5344CB8AC3E}">
+        <p14:creationId xmlns:p14="http://schemas.microsoft.com/office/powerpoint/2010/main" val="3874103666"/>
+      </p:ext>
+    </p:extLst>
+  </p:cSld>
+  <p:clrMapOvr>
+    <a:masterClrMapping/>
+  </p:clrMapOvr>
+</p:sld>
+</file>
+
+<file path=ppt/slides/slide13.xml><?xml version="1.0" encoding="utf-8"?>
+<p:sld xmlns:a="http://schemas.openxmlformats.org/drawingml/2006/main" xmlns:r="http://schemas.openxmlformats.org/officeDocument/2006/relationships" xmlns:p="http://schemas.openxmlformats.org/presentationml/2006/main">
+  <p:cSld>
+    <p:spTree>
+      <p:nvGrpSpPr>
+        <p:cNvPr id="1" name=""/>
+        <p:cNvGrpSpPr/>
+        <p:nvPr/>
+      </p:nvGrpSpPr>
+      <p:grpSpPr>
+        <a:xfrm>
+          <a:off x="0" y="0"/>
+          <a:ext cx="0" cy="0"/>
+          <a:chOff x="0" y="0"/>
+          <a:chExt cx="0" cy="0"/>
+        </a:xfrm>
+      </p:grpSpPr>
+      <p:sp>
+        <p:nvSpPr>
+          <p:cNvPr id="2" name="Title 1">
+            <a:extLst>
+              <a:ext uri="{FF2B5EF4-FFF2-40B4-BE49-F238E27FC236}">
+                <a16:creationId xmlns:a16="http://schemas.microsoft.com/office/drawing/2014/main" id="{E58ABA3C-5454-1A43-9F56-C83E5BD07E4A}"/>
+              </a:ext>
+            </a:extLst>
+          </p:cNvPr>
+          <p:cNvSpPr>
+            <a:spLocks noGrp="1"/>
+          </p:cNvSpPr>
+          <p:nvPr>
+            <p:ph type="title"/>
+          </p:nvPr>
+        </p:nvSpPr>
+        <p:spPr/>
+        <p:txBody>
+          <a:bodyPr/>
+          <a:lstStyle/>
+          <a:p>
+            <a:pPr algn="ctr"/>
+            <a:r>
+              <a:rPr lang="en-AU" b="1" dirty="0"/>
+              <a:t>Technical and Other Constraints</a:t>
+            </a:r>
+            <a:br>
+              <a:rPr lang="en-AU" b="1" dirty="0"/>
+            </a:br>
+            <a:endParaRPr lang="en-US" dirty="0"/>
+          </a:p>
+        </p:txBody>
+      </p:sp>
+      <p:sp>
+        <p:nvSpPr>
+          <p:cNvPr id="3" name="Content Placeholder 2">
+            <a:extLst>
+              <a:ext uri="{FF2B5EF4-FFF2-40B4-BE49-F238E27FC236}">
+                <a16:creationId xmlns:a16="http://schemas.microsoft.com/office/drawing/2014/main" id="{76A99D53-B895-8546-8C3E-DE2EBE5B0FD3}"/>
+              </a:ext>
+            </a:extLst>
+          </p:cNvPr>
+          <p:cNvSpPr>
+            <a:spLocks noGrp="1"/>
+          </p:cNvSpPr>
+          <p:nvPr>
+            <p:ph idx="1"/>
+          </p:nvPr>
+        </p:nvSpPr>
+        <p:spPr/>
+        <p:txBody>
+          <a:bodyPr/>
+          <a:lstStyle/>
+          <a:p>
+            <a:r>
+              <a:rPr lang="en-AU" sz="2800" b="1" dirty="0"/>
+              <a:t>Database Update</a:t>
+            </a:r>
+          </a:p>
+          <a:p>
+            <a:pPr marL="0" indent="0">
+              <a:buNone/>
+            </a:pPr>
+            <a:endParaRPr lang="en-AU" sz="2800" b="1" dirty="0"/>
+          </a:p>
+          <a:p>
+            <a:r>
+              <a:rPr lang="en-AU" sz="2800" b="1" dirty="0"/>
+              <a:t>Safety</a:t>
+            </a:r>
+          </a:p>
+          <a:p>
+            <a:pPr marL="0" indent="0">
+              <a:buNone/>
+            </a:pPr>
+            <a:r>
+              <a:rPr lang="en-AU" sz="2800" b="1" dirty="0"/>
+              <a:t> </a:t>
+            </a:r>
+          </a:p>
+          <a:p>
+            <a:r>
+              <a:rPr lang="en-AU" sz="2800" b="1" dirty="0"/>
+              <a:t>Access Control</a:t>
+            </a:r>
+          </a:p>
+          <a:p>
+            <a:endParaRPr lang="en-AU" dirty="0"/>
+          </a:p>
+          <a:p>
+            <a:endParaRPr lang="en-US" dirty="0"/>
+          </a:p>
+        </p:txBody>
+      </p:sp>
+      <p:sp>
+        <p:nvSpPr>
+          <p:cNvPr id="4" name="Rectangle 3">
+            <a:extLst>
+              <a:ext uri="{FF2B5EF4-FFF2-40B4-BE49-F238E27FC236}">
+                <a16:creationId xmlns:a16="http://schemas.microsoft.com/office/drawing/2014/main" id="{8BF41DD2-04E0-954F-ABB7-56E68C1CCCBD}"/>
+              </a:ext>
+            </a:extLst>
+          </p:cNvPr>
+          <p:cNvSpPr/>
+          <p:nvPr/>
+        </p:nvSpPr>
+        <p:spPr>
+          <a:xfrm>
+            <a:off x="3159679" y="292840"/>
+            <a:ext cx="8734377" cy="830997"/>
+          </a:xfrm>
+          <a:prstGeom prst="rect">
+            <a:avLst/>
+          </a:prstGeom>
+          <a:noFill/>
+        </p:spPr>
+        <p:txBody>
+          <a:bodyPr wrap="square" lIns="91440" tIns="45720" rIns="91440" bIns="45720">
+            <a:spAutoFit/>
+          </a:bodyPr>
+          <a:lstStyle/>
+          <a:p>
+            <a:pPr algn="ctr"/>
+            <a:r>
+              <a:rPr lang="en-AU" sz="4800" b="1" dirty="0">
+                <a:ln w="9525">
+                  <a:solidFill>
+                    <a:schemeClr val="bg1"/>
+                  </a:solidFill>
+                  <a:prstDash val="solid"/>
+                </a:ln>
+                <a:effectLst>
+                  <a:outerShdw blurRad="12700" dist="38100" dir="2700000" algn="tl" rotWithShape="0">
+                    <a:schemeClr val="bg1">
+                      <a:lumMod val="50000"/>
+                    </a:schemeClr>
+                  </a:outerShdw>
+                </a:effectLst>
+              </a:rPr>
+              <a:t>Intelligent Course Scheduler</a:t>
+            </a:r>
+            <a:endParaRPr lang="en-US" sz="4800" b="1" dirty="0">
+              <a:ln w="9525">
+                <a:solidFill>
+                  <a:schemeClr val="bg1"/>
+                </a:solidFill>
+                <a:prstDash val="solid"/>
+              </a:ln>
+              <a:effectLst>
+                <a:outerShdw blurRad="12700" dist="38100" dir="2700000" algn="tl" rotWithShape="0">
+                  <a:schemeClr val="bg1">
+                    <a:lumMod val="50000"/>
+                  </a:schemeClr>
+                </a:outerShdw>
+              </a:effectLst>
+            </a:endParaRPr>
+          </a:p>
+        </p:txBody>
+      </p:sp>
+      <p:pic>
+        <p:nvPicPr>
+          <p:cNvPr id="7" name="Picture 6">
+            <a:extLst>
+              <a:ext uri="{FF2B5EF4-FFF2-40B4-BE49-F238E27FC236}">
+                <a16:creationId xmlns:a16="http://schemas.microsoft.com/office/drawing/2014/main" id="{99FE3D36-F908-B844-8975-5EC17A254A58}"/>
+              </a:ext>
+            </a:extLst>
+          </p:cNvPr>
+          <p:cNvPicPr>
+            <a:picLocks noChangeAspect="1"/>
+          </p:cNvPicPr>
+          <p:nvPr/>
+        </p:nvPicPr>
+        <p:blipFill>
+          <a:blip r:embed="rId2"/>
+          <a:stretch>
+            <a:fillRect/>
+          </a:stretch>
+        </p:blipFill>
+        <p:spPr>
+          <a:xfrm>
+            <a:off x="6549604" y="2300037"/>
+            <a:ext cx="5137475" cy="3424983"/>
+          </a:xfrm>
+          <a:prstGeom prst="rect">
+            <a:avLst/>
+          </a:prstGeom>
+        </p:spPr>
+      </p:pic>
+    </p:spTree>
+    <p:extLst>
+      <p:ext uri="{BB962C8B-B14F-4D97-AF65-F5344CB8AC3E}">
+        <p14:creationId xmlns:p14="http://schemas.microsoft.com/office/powerpoint/2010/main" val="3040256308"/>
+      </p:ext>
+    </p:extLst>
+  </p:cSld>
+  <p:clrMapOvr>
+    <a:masterClrMapping/>
+  </p:clrMapOvr>
+</p:sld>
+</file>
+
+<file path=ppt/slides/slide14.xml><?xml version="1.0" encoding="utf-8"?>
+<p:sld xmlns:a="http://schemas.openxmlformats.org/drawingml/2006/main" xmlns:r="http://schemas.openxmlformats.org/officeDocument/2006/relationships" xmlns:p="http://schemas.openxmlformats.org/presentationml/2006/main">
+  <p:cSld>
+    <p:spTree>
+      <p:nvGrpSpPr>
+        <p:cNvPr id="1" name=""/>
+        <p:cNvGrpSpPr/>
+        <p:nvPr/>
+      </p:nvGrpSpPr>
+      <p:grpSpPr>
+        <a:xfrm>
+          <a:off x="0" y="0"/>
+          <a:ext cx="0" cy="0"/>
+          <a:chOff x="0" y="0"/>
+          <a:chExt cx="0" cy="0"/>
+        </a:xfrm>
+      </p:grpSpPr>
+      <p:sp>
+        <p:nvSpPr>
+          <p:cNvPr id="2" name="Title 1">
+            <a:extLst>
+              <a:ext uri="{FF2B5EF4-FFF2-40B4-BE49-F238E27FC236}">
+                <a16:creationId xmlns:a16="http://schemas.microsoft.com/office/drawing/2014/main" id="{E3AB563E-8E36-8148-B6AE-956324B24519}"/>
+              </a:ext>
+            </a:extLst>
+          </p:cNvPr>
+          <p:cNvSpPr>
+            <a:spLocks noGrp="1"/>
+          </p:cNvSpPr>
+          <p:nvPr>
+            <p:ph type="title"/>
+          </p:nvPr>
+        </p:nvSpPr>
+        <p:spPr/>
+        <p:txBody>
+          <a:bodyPr/>
+          <a:lstStyle/>
+          <a:p>
+            <a:pPr algn="ctr"/>
+            <a:r>
+              <a:rPr lang="en-AU" b="1" dirty="0"/>
+              <a:t>Resources, Risks and potential Costs</a:t>
+            </a:r>
+            <a:br>
+              <a:rPr lang="en-AU" b="1" dirty="0"/>
+            </a:br>
+            <a:endParaRPr lang="en-US" dirty="0"/>
+          </a:p>
+        </p:txBody>
+      </p:sp>
+      <p:sp>
+        <p:nvSpPr>
+          <p:cNvPr id="4" name="Rectangle 3">
+            <a:extLst>
+              <a:ext uri="{FF2B5EF4-FFF2-40B4-BE49-F238E27FC236}">
+                <a16:creationId xmlns:a16="http://schemas.microsoft.com/office/drawing/2014/main" id="{C7E35826-BDD8-D540-BAF6-8C1C84B62C49}"/>
+              </a:ext>
+            </a:extLst>
+          </p:cNvPr>
+          <p:cNvSpPr/>
+          <p:nvPr/>
+        </p:nvSpPr>
+        <p:spPr>
+          <a:xfrm>
+            <a:off x="3159679" y="292840"/>
+            <a:ext cx="8734377" cy="830997"/>
+          </a:xfrm>
+          <a:prstGeom prst="rect">
+            <a:avLst/>
+          </a:prstGeom>
+          <a:noFill/>
+        </p:spPr>
+        <p:txBody>
+          <a:bodyPr wrap="square" lIns="91440" tIns="45720" rIns="91440" bIns="45720">
+            <a:spAutoFit/>
+          </a:bodyPr>
+          <a:lstStyle/>
+          <a:p>
+            <a:pPr algn="ctr"/>
+            <a:r>
+              <a:rPr lang="en-AU" sz="4800" b="1" dirty="0">
+                <a:ln w="9525">
+                  <a:solidFill>
+                    <a:schemeClr val="bg1"/>
+                  </a:solidFill>
+                  <a:prstDash val="solid"/>
+                </a:ln>
+                <a:effectLst>
+                  <a:outerShdw blurRad="12700" dist="38100" dir="2700000" algn="tl" rotWithShape="0">
+                    <a:schemeClr val="bg1">
+                      <a:lumMod val="50000"/>
+                    </a:schemeClr>
+                  </a:outerShdw>
+                </a:effectLst>
+              </a:rPr>
+              <a:t>Intelligent Course Scheduler</a:t>
+            </a:r>
+            <a:endParaRPr lang="en-US" sz="4800" b="1" dirty="0">
+              <a:ln w="9525">
+                <a:solidFill>
+                  <a:schemeClr val="bg1"/>
+                </a:solidFill>
+                <a:prstDash val="solid"/>
+              </a:ln>
+              <a:effectLst>
+                <a:outerShdw blurRad="12700" dist="38100" dir="2700000" algn="tl" rotWithShape="0">
+                  <a:schemeClr val="bg1">
+                    <a:lumMod val="50000"/>
+                  </a:schemeClr>
+                </a:outerShdw>
+              </a:effectLst>
+            </a:endParaRPr>
+          </a:p>
+        </p:txBody>
+      </p:sp>
+      <p:sp>
+        <p:nvSpPr>
+          <p:cNvPr id="9" name="Content Placeholder 8">
+            <a:extLst>
+              <a:ext uri="{FF2B5EF4-FFF2-40B4-BE49-F238E27FC236}">
+                <a16:creationId xmlns:a16="http://schemas.microsoft.com/office/drawing/2014/main" id="{455D0FC9-A807-B046-872C-45CBAAD15CB1}"/>
+              </a:ext>
+            </a:extLst>
+          </p:cNvPr>
+          <p:cNvSpPr>
+            <a:spLocks noGrp="1"/>
+          </p:cNvSpPr>
+          <p:nvPr>
+            <p:ph idx="1"/>
+          </p:nvPr>
+        </p:nvSpPr>
+        <p:spPr/>
+        <p:txBody>
+          <a:bodyPr/>
+          <a:lstStyle/>
+          <a:p>
+            <a:r>
+              <a:rPr lang="en-AU" b="1" dirty="0"/>
+              <a:t>Firstly, there are always some uncontrollable factors in our work.</a:t>
+            </a:r>
+          </a:p>
+          <a:p>
+            <a:endParaRPr lang="en-AU" b="1" dirty="0"/>
+          </a:p>
+          <a:p>
+            <a:r>
+              <a:rPr lang="en-AU" b="1" dirty="0"/>
+              <a:t>Secondly, we should guarantee the highest quality of our product in the shortest time. Some mistakes would reduce quality.</a:t>
+            </a:r>
+          </a:p>
+          <a:p>
+            <a:endParaRPr lang="en-AU" b="1" dirty="0"/>
+          </a:p>
+          <a:p>
+            <a:r>
+              <a:rPr lang="en-AU" b="1" dirty="0"/>
+              <a:t> Thirdly, relationship between teammates is also a kind of risks.</a:t>
+            </a:r>
+            <a:endParaRPr lang="en-US" b="1" dirty="0"/>
+          </a:p>
+        </p:txBody>
+      </p:sp>
+      <p:pic>
+        <p:nvPicPr>
+          <p:cNvPr id="11" name="Picture 10">
+            <a:extLst>
+              <a:ext uri="{FF2B5EF4-FFF2-40B4-BE49-F238E27FC236}">
+                <a16:creationId xmlns:a16="http://schemas.microsoft.com/office/drawing/2014/main" id="{C0B078F2-E7C2-8C46-B23E-239CF2F6B69D}"/>
+              </a:ext>
+            </a:extLst>
+          </p:cNvPr>
+          <p:cNvPicPr>
+            <a:picLocks noChangeAspect="1"/>
+          </p:cNvPicPr>
+          <p:nvPr/>
+        </p:nvPicPr>
+        <p:blipFill>
+          <a:blip r:embed="rId2"/>
+          <a:stretch>
+            <a:fillRect/>
+          </a:stretch>
+        </p:blipFill>
+        <p:spPr>
+          <a:xfrm>
+            <a:off x="6447368" y="5001014"/>
+            <a:ext cx="4737100" cy="1168400"/>
+          </a:xfrm>
+          <a:prstGeom prst="rect">
+            <a:avLst/>
+          </a:prstGeom>
+        </p:spPr>
+      </p:pic>
+      <p:sp>
+        <p:nvSpPr>
+          <p:cNvPr id="12" name="TextBox 11">
+            <a:extLst>
+              <a:ext uri="{FF2B5EF4-FFF2-40B4-BE49-F238E27FC236}">
+                <a16:creationId xmlns:a16="http://schemas.microsoft.com/office/drawing/2014/main" id="{6CE7B7BD-1182-1446-9706-745BFE0965C7}"/>
+              </a:ext>
+            </a:extLst>
+          </p:cNvPr>
+          <p:cNvSpPr txBox="1"/>
+          <p:nvPr/>
+        </p:nvSpPr>
+        <p:spPr>
+          <a:xfrm>
+            <a:off x="3585687" y="5355688"/>
+            <a:ext cx="2928750" cy="369332"/>
+          </a:xfrm>
+          <a:prstGeom prst="rect">
+            <a:avLst/>
+          </a:prstGeom>
+          <a:noFill/>
+        </p:spPr>
+        <p:txBody>
+          <a:bodyPr wrap="none" rtlCol="0">
+            <a:spAutoFit/>
+          </a:bodyPr>
+          <a:lstStyle/>
+          <a:p>
+            <a:r>
+              <a:rPr lang="en-AU" dirty="0"/>
+              <a:t> Budget for the Could Server</a:t>
+            </a:r>
+            <a:r>
+              <a:rPr lang="en-US" dirty="0"/>
+              <a:t>:</a:t>
+            </a:r>
+          </a:p>
+        </p:txBody>
+      </p:sp>
+    </p:spTree>
+    <p:extLst>
+      <p:ext uri="{BB962C8B-B14F-4D97-AF65-F5344CB8AC3E}">
+        <p14:creationId xmlns:p14="http://schemas.microsoft.com/office/powerpoint/2010/main" val="3732371576"/>
+      </p:ext>
+    </p:extLst>
+  </p:cSld>
+  <p:clrMapOvr>
+    <a:masterClrMapping/>
+  </p:clrMapOvr>
+</p:sld>
+</file>
+
+<file path=ppt/slides/slide15.xml><?xml version="1.0" encoding="utf-8"?>
+<p:sld xmlns:a="http://schemas.openxmlformats.org/drawingml/2006/main" xmlns:r="http://schemas.openxmlformats.org/officeDocument/2006/relationships" xmlns:p="http://schemas.openxmlformats.org/presentationml/2006/main">
+  <p:cSld>
+    <p:spTree>
+      <p:nvGrpSpPr>
+        <p:cNvPr id="1" name=""/>
+        <p:cNvGrpSpPr/>
+        <p:nvPr/>
+      </p:nvGrpSpPr>
+      <p:grpSpPr>
+        <a:xfrm>
+          <a:off x="0" y="0"/>
+          <a:ext cx="0" cy="0"/>
+          <a:chOff x="0" y="0"/>
+          <a:chExt cx="0" cy="0"/>
+        </a:xfrm>
+      </p:grpSpPr>
+      <p:sp>
+        <p:nvSpPr>
+          <p:cNvPr id="2" name="Title 1">
+            <a:extLst>
+              <a:ext uri="{FF2B5EF4-FFF2-40B4-BE49-F238E27FC236}">
+                <a16:creationId xmlns:a16="http://schemas.microsoft.com/office/drawing/2014/main" id="{3370770D-C3B6-B34A-9DEA-593827F9EF27}"/>
+              </a:ext>
+            </a:extLst>
+          </p:cNvPr>
+          <p:cNvSpPr>
+            <a:spLocks noGrp="1"/>
+          </p:cNvSpPr>
+          <p:nvPr>
+            <p:ph type="title"/>
+          </p:nvPr>
+        </p:nvSpPr>
+        <p:spPr/>
+        <p:txBody>
+          <a:bodyPr/>
+          <a:lstStyle/>
+          <a:p>
+            <a:pPr algn="ctr"/>
+            <a:r>
+              <a:rPr lang="en-AU" b="1" dirty="0"/>
+              <a:t>NDA and Ip Concerns</a:t>
+            </a:r>
+            <a:br>
+              <a:rPr lang="en-AU" b="1" dirty="0"/>
+            </a:br>
+            <a:endParaRPr lang="en-US" dirty="0"/>
+          </a:p>
+        </p:txBody>
+      </p:sp>
+      <p:sp>
+        <p:nvSpPr>
+          <p:cNvPr id="3" name="Content Placeholder 2">
+            <a:extLst>
+              <a:ext uri="{FF2B5EF4-FFF2-40B4-BE49-F238E27FC236}">
+                <a16:creationId xmlns:a16="http://schemas.microsoft.com/office/drawing/2014/main" id="{50A26860-CA60-FB47-95CA-14DBEF329167}"/>
+              </a:ext>
+            </a:extLst>
+          </p:cNvPr>
+          <p:cNvSpPr>
+            <a:spLocks noGrp="1"/>
+          </p:cNvSpPr>
+          <p:nvPr>
+            <p:ph idx="1"/>
+          </p:nvPr>
+        </p:nvSpPr>
+        <p:spPr/>
+        <p:txBody>
+          <a:bodyPr/>
+          <a:lstStyle/>
+          <a:p>
+            <a:r>
+              <a:rPr lang="en-AU" sz="2400" b="1" dirty="0"/>
+              <a:t>There will be no non-disclosure agreement required.</a:t>
+            </a:r>
+          </a:p>
+          <a:p>
+            <a:pPr marL="0" indent="0">
+              <a:buNone/>
+            </a:pPr>
+            <a:endParaRPr lang="en-AU" sz="2400" b="1" dirty="0"/>
+          </a:p>
+          <a:p>
+            <a:r>
+              <a:rPr lang="en-AU" sz="2400" b="1" dirty="0"/>
+              <a:t>Any materials, tools, methods/techniques and software provided by Clients advised and agreed to be Clients’ Copyright, will remain the intellectual property of Clients. New codes developed by project members will be owned by project team.</a:t>
+            </a:r>
+          </a:p>
+          <a:p>
+            <a:endParaRPr lang="en-US" dirty="0"/>
+          </a:p>
+        </p:txBody>
+      </p:sp>
+      <p:sp>
+        <p:nvSpPr>
+          <p:cNvPr id="4" name="Rectangle 3">
+            <a:extLst>
+              <a:ext uri="{FF2B5EF4-FFF2-40B4-BE49-F238E27FC236}">
+                <a16:creationId xmlns:a16="http://schemas.microsoft.com/office/drawing/2014/main" id="{4D997D50-6165-9E45-B0B1-57502AD2F910}"/>
+              </a:ext>
+            </a:extLst>
+          </p:cNvPr>
+          <p:cNvSpPr/>
+          <p:nvPr/>
+        </p:nvSpPr>
+        <p:spPr>
+          <a:xfrm>
+            <a:off x="3159679" y="292840"/>
+            <a:ext cx="8734377" cy="830997"/>
+          </a:xfrm>
+          <a:prstGeom prst="rect">
+            <a:avLst/>
+          </a:prstGeom>
+          <a:noFill/>
+        </p:spPr>
+        <p:txBody>
+          <a:bodyPr wrap="square" lIns="91440" tIns="45720" rIns="91440" bIns="45720">
+            <a:spAutoFit/>
+          </a:bodyPr>
+          <a:lstStyle/>
+          <a:p>
+            <a:pPr algn="ctr"/>
+            <a:r>
+              <a:rPr lang="en-AU" sz="4800" b="1" dirty="0">
+                <a:ln w="9525">
+                  <a:solidFill>
+                    <a:schemeClr val="bg1"/>
+                  </a:solidFill>
+                  <a:prstDash val="solid"/>
+                </a:ln>
+                <a:effectLst>
+                  <a:outerShdw blurRad="12700" dist="38100" dir="2700000" algn="tl" rotWithShape="0">
+                    <a:schemeClr val="bg1">
+                      <a:lumMod val="50000"/>
+                    </a:schemeClr>
+                  </a:outerShdw>
+                </a:effectLst>
+              </a:rPr>
+              <a:t>Intelligent Course Scheduler</a:t>
+            </a:r>
+            <a:endParaRPr lang="en-US" sz="4800" b="1" dirty="0">
+              <a:ln w="9525">
+                <a:solidFill>
+                  <a:schemeClr val="bg1"/>
+                </a:solidFill>
+                <a:prstDash val="solid"/>
+              </a:ln>
+              <a:effectLst>
+                <a:outerShdw blurRad="12700" dist="38100" dir="2700000" algn="tl" rotWithShape="0">
+                  <a:schemeClr val="bg1">
+                    <a:lumMod val="50000"/>
+                  </a:schemeClr>
+                </a:outerShdw>
+              </a:effectLst>
+            </a:endParaRPr>
+          </a:p>
+        </p:txBody>
+      </p:sp>
+    </p:spTree>
+    <p:extLst>
+      <p:ext uri="{BB962C8B-B14F-4D97-AF65-F5344CB8AC3E}">
+        <p14:creationId xmlns:p14="http://schemas.microsoft.com/office/powerpoint/2010/main" val="955395529"/>
+      </p:ext>
+    </p:extLst>
+  </p:cSld>
+  <p:clrMapOvr>
+    <a:masterClrMapping/>
+  </p:clrMapOvr>
+</p:sld>
+</file>
+
+<file path=ppt/slides/slide16.xml><?xml version="1.0" encoding="utf-8"?>
+<p:sld xmlns:a="http://schemas.openxmlformats.org/drawingml/2006/main" xmlns:r="http://schemas.openxmlformats.org/officeDocument/2006/relationships" xmlns:p="http://schemas.openxmlformats.org/presentationml/2006/main">
+  <p:cSld>
+    <p:spTree>
+      <p:nvGrpSpPr>
+        <p:cNvPr id="1" name=""/>
+        <p:cNvGrpSpPr/>
+        <p:nvPr/>
+      </p:nvGrpSpPr>
+      <p:grpSpPr>
+        <a:xfrm>
+          <a:off x="0" y="0"/>
+          <a:ext cx="0" cy="0"/>
+          <a:chOff x="0" y="0"/>
+          <a:chExt cx="0" cy="0"/>
+        </a:xfrm>
+      </p:grpSpPr>
+      <p:sp>
+        <p:nvSpPr>
+          <p:cNvPr id="2" name="Title 1">
+            <a:extLst>
+              <a:ext uri="{FF2B5EF4-FFF2-40B4-BE49-F238E27FC236}">
+                <a16:creationId xmlns:a16="http://schemas.microsoft.com/office/drawing/2014/main" id="{A66A40FB-42BF-DC41-9C11-6C135B0511CF}"/>
+              </a:ext>
+            </a:extLst>
+          </p:cNvPr>
+          <p:cNvSpPr>
+            <a:spLocks noGrp="1"/>
+          </p:cNvSpPr>
+          <p:nvPr>
+            <p:ph type="title"/>
+          </p:nvPr>
+        </p:nvSpPr>
+        <p:spPr/>
+        <p:txBody>
+          <a:bodyPr/>
+          <a:lstStyle/>
+          <a:p>
+            <a:r>
+              <a:rPr lang="en-US" b="1" dirty="0"/>
+              <a:t>THANK  YOU</a:t>
+            </a:r>
+          </a:p>
+        </p:txBody>
+      </p:sp>
+      <p:sp>
+        <p:nvSpPr>
+          <p:cNvPr id="3" name="Content Placeholder 2">
+            <a:extLst>
+              <a:ext uri="{FF2B5EF4-FFF2-40B4-BE49-F238E27FC236}">
+                <a16:creationId xmlns:a16="http://schemas.microsoft.com/office/drawing/2014/main" id="{1D020F81-0399-CC4C-8AE6-72B372A86C37}"/>
+              </a:ext>
+            </a:extLst>
+          </p:cNvPr>
+          <p:cNvSpPr>
+            <a:spLocks noGrp="1"/>
+          </p:cNvSpPr>
+          <p:nvPr>
+            <p:ph idx="1"/>
+          </p:nvPr>
+        </p:nvSpPr>
+        <p:spPr>
+          <a:xfrm>
+            <a:off x="3740727" y="864108"/>
+            <a:ext cx="8153329" cy="5120640"/>
+          </a:xfrm>
+        </p:spPr>
+        <p:txBody>
+          <a:bodyPr/>
+          <a:lstStyle/>
+          <a:p>
+            <a:r>
+              <a:rPr lang="en-AU" sz="2400" b="1" dirty="0"/>
+              <a:t>References</a:t>
+            </a:r>
+          </a:p>
+          <a:p>
+            <a:pPr marL="0" indent="0">
+              <a:buNone/>
+            </a:pPr>
+            <a:r>
+              <a:rPr lang="en-AU" sz="2400" dirty="0" err="1"/>
+              <a:t>Galitz</a:t>
+            </a:r>
+            <a:r>
+              <a:rPr lang="en-AU" sz="2400" dirty="0"/>
+              <a:t>, W. O., &amp; Safari Books Online. (2007). The essential guide to user interface design: An introduction to GUI design principles and techniques (3rd ed.). Indianapolis, IN: Wiley Pub.</a:t>
+            </a:r>
+          </a:p>
+          <a:p>
+            <a:endParaRPr lang="en-AU" sz="2400" dirty="0"/>
+          </a:p>
+          <a:p>
+            <a:r>
+              <a:rPr lang="en-AU" sz="2400" b="1" dirty="0"/>
+              <a:t>Project Repository-</a:t>
+            </a:r>
+            <a:r>
+              <a:rPr lang="en-AU" sz="2400" b="1" dirty="0" err="1"/>
+              <a:t>github</a:t>
+            </a:r>
+            <a:r>
+              <a:rPr lang="en-AU" sz="2400" b="1" dirty="0"/>
+              <a:t> repo-"million-coursework”</a:t>
+            </a:r>
+          </a:p>
+          <a:p>
+            <a:pPr marL="0" indent="0">
+              <a:buNone/>
+            </a:pPr>
+            <a:r>
+              <a:rPr lang="en-AU" sz="2400" dirty="0"/>
+              <a:t> </a:t>
+            </a:r>
+            <a:r>
+              <a:rPr lang="en-AU" sz="2400" dirty="0">
+                <a:hlinkClick r:id="rId2"/>
+              </a:rPr>
+              <a:t>https://github.com/million-coursework</a:t>
+            </a:r>
+            <a:endParaRPr lang="en-US" sz="2400" dirty="0"/>
+          </a:p>
+          <a:p>
+            <a:pPr marL="0" indent="0">
+              <a:buNone/>
+            </a:pPr>
+            <a:endParaRPr lang="en-AU" dirty="0"/>
+          </a:p>
+        </p:txBody>
+      </p:sp>
+      <p:sp>
+        <p:nvSpPr>
+          <p:cNvPr id="4" name="Rectangle 3">
+            <a:extLst>
+              <a:ext uri="{FF2B5EF4-FFF2-40B4-BE49-F238E27FC236}">
+                <a16:creationId xmlns:a16="http://schemas.microsoft.com/office/drawing/2014/main" id="{052A9158-129D-EA40-81AC-F01B847FC910}"/>
+              </a:ext>
+            </a:extLst>
+          </p:cNvPr>
+          <p:cNvSpPr/>
+          <p:nvPr/>
+        </p:nvSpPr>
+        <p:spPr>
+          <a:xfrm>
+            <a:off x="3159679" y="292840"/>
+            <a:ext cx="8734377" cy="830997"/>
+          </a:xfrm>
+          <a:prstGeom prst="rect">
+            <a:avLst/>
+          </a:prstGeom>
+          <a:noFill/>
+        </p:spPr>
+        <p:txBody>
+          <a:bodyPr wrap="square" lIns="91440" tIns="45720" rIns="91440" bIns="45720">
+            <a:spAutoFit/>
+          </a:bodyPr>
+          <a:lstStyle/>
+          <a:p>
+            <a:pPr algn="ctr"/>
+            <a:r>
+              <a:rPr lang="en-AU" sz="4800" b="1" dirty="0">
+                <a:ln w="9525">
+                  <a:solidFill>
+                    <a:schemeClr val="bg1"/>
+                  </a:solidFill>
+                  <a:prstDash val="solid"/>
+                </a:ln>
+                <a:effectLst>
+                  <a:outerShdw blurRad="12700" dist="38100" dir="2700000" algn="tl" rotWithShape="0">
+                    <a:schemeClr val="bg1">
+                      <a:lumMod val="50000"/>
+                    </a:schemeClr>
+                  </a:outerShdw>
+                </a:effectLst>
+              </a:rPr>
+              <a:t>Intelligent Course Scheduler</a:t>
+            </a:r>
+            <a:endParaRPr lang="en-US" sz="4800" b="1" dirty="0">
+              <a:ln w="9525">
+                <a:solidFill>
+                  <a:schemeClr val="bg1"/>
+                </a:solidFill>
+                <a:prstDash val="solid"/>
+              </a:ln>
+              <a:effectLst>
+                <a:outerShdw blurRad="12700" dist="38100" dir="2700000" algn="tl" rotWithShape="0">
+                  <a:schemeClr val="bg1">
+                    <a:lumMod val="50000"/>
+                  </a:schemeClr>
+                </a:outerShdw>
+              </a:effectLst>
+            </a:endParaRPr>
+          </a:p>
+        </p:txBody>
+      </p:sp>
+    </p:spTree>
+    <p:extLst>
+      <p:ext uri="{BB962C8B-B14F-4D97-AF65-F5344CB8AC3E}">
+        <p14:creationId xmlns:p14="http://schemas.microsoft.com/office/powerpoint/2010/main" val="1054222573"/>
+      </p:ext>
+    </p:extLst>
+  </p:cSld>
+  <p:clrMapOvr>
+    <a:masterClrMapping/>
+  </p:clrMapOvr>
+</p:sld>
+</file>
+
 <file path=ppt/slides/slide2.xml><?xml version="1.0" encoding="utf-8"?>
 <p:sld xmlns:a="http://schemas.openxmlformats.org/drawingml/2006/main" xmlns:r="http://schemas.openxmlformats.org/officeDocument/2006/relationships" xmlns:p="http://schemas.openxmlformats.org/presentationml/2006/main">
   <p:cSld>
@@ -4070,10 +5030,10 @@
       </p:grpSpPr>
       <p:sp>
         <p:nvSpPr>
-          <p:cNvPr id="3" name="Content Placeholder 2">
+          <p:cNvPr id="2" name="Title 1">
             <a:extLst>
               <a:ext uri="{FF2B5EF4-FFF2-40B4-BE49-F238E27FC236}">
-                <a16:creationId xmlns:a16="http://schemas.microsoft.com/office/drawing/2014/main" id="{D14C13E2-25BE-774D-BF4A-E781EBB42C8C}"/>
+                <a16:creationId xmlns:a16="http://schemas.microsoft.com/office/drawing/2014/main" id="{177E98CC-F915-FA45-84A0-D1612C22B78A}"/>
               </a:ext>
             </a:extLst>
           </p:cNvPr>
@@ -4081,138 +5041,84 @@
             <a:spLocks noGrp="1"/>
           </p:cNvSpPr>
           <p:nvPr>
-            <p:ph idx="1"/>
-          </p:nvPr>
-        </p:nvSpPr>
-        <p:spPr/>
+            <p:ph type="title"/>
+          </p:nvPr>
+        </p:nvSpPr>
+        <p:spPr>
+          <a:xfrm>
+            <a:off x="-112613" y="1123837"/>
+            <a:ext cx="2947482" cy="4601183"/>
+          </a:xfrm>
+        </p:spPr>
         <p:txBody>
           <a:bodyPr>
-            <a:normAutofit/>
+            <a:noAutofit/>
           </a:bodyPr>
           <a:lstStyle/>
           <a:p>
-            <a:pPr marL="0" indent="0">
-              <a:buNone/>
-            </a:pPr>
-            <a:endParaRPr lang="en-US" sz="2400" b="1" dirty="0"/>
-          </a:p>
-          <a:p>
-            <a:pPr marL="0" indent="0">
-              <a:buNone/>
-            </a:pPr>
-            <a:r>
-              <a:rPr lang="en-US" sz="2400" b="1" dirty="0"/>
-              <a:t>Our</a:t>
-            </a:r>
-            <a:r>
-              <a:rPr lang="zh-CN" altLang="en-US" sz="2400" b="1" dirty="0"/>
-              <a:t> </a:t>
-            </a:r>
-            <a:r>
-              <a:rPr lang="en-AU" sz="2400" b="1" dirty="0"/>
-              <a:t>Key Stakeholders and their Expectations</a:t>
-            </a:r>
-            <a:r>
-              <a:rPr lang="en-US" altLang="zh-CN" sz="2400" b="1" dirty="0"/>
-              <a:t>:</a:t>
-            </a:r>
-          </a:p>
-          <a:p>
-            <a:pPr lvl="1"/>
-            <a:r>
-              <a:rPr lang="en-AU" dirty="0"/>
-              <a:t>Manage the system by access control function and get students' feedback.</a:t>
-            </a:r>
-          </a:p>
-          <a:p>
-            <a:pPr lvl="1"/>
-            <a:r>
-              <a:rPr lang="en-AU" dirty="0"/>
-              <a:t>The team will meet all project requirements within the timeline.</a:t>
-            </a:r>
-          </a:p>
-          <a:p>
-            <a:pPr lvl="1"/>
-            <a:r>
-              <a:rPr lang="en-AU" dirty="0"/>
-              <a:t>Demonstrate the better GUI and control system could make students get better experience of course selection.</a:t>
-            </a:r>
-          </a:p>
-          <a:p>
-            <a:pPr lvl="1"/>
-            <a:r>
-              <a:rPr lang="en-AU" dirty="0"/>
-              <a:t>Upgrade more functions and optimize the scheduler .</a:t>
-            </a:r>
-          </a:p>
-          <a:p>
-            <a:pPr marL="0" indent="0">
-              <a:buNone/>
-            </a:pPr>
-            <a:endParaRPr lang="en-US" altLang="zh-CN" sz="2400" b="1" dirty="0"/>
-          </a:p>
-          <a:p>
-            <a:pPr marL="0" indent="0">
-              <a:buNone/>
-            </a:pPr>
-            <a:endParaRPr lang="en-US" altLang="zh-CN" sz="2400" b="1" dirty="0"/>
-          </a:p>
-          <a:p>
-            <a:pPr marL="0" indent="0">
-              <a:buNone/>
-            </a:pPr>
-            <a:endParaRPr lang="en-US" sz="2400" b="1" dirty="0"/>
-          </a:p>
-          <a:p>
-            <a:pPr marL="0" indent="0">
-              <a:buNone/>
-            </a:pPr>
-            <a:endParaRPr lang="en-US" sz="2400" b="1" dirty="0"/>
-          </a:p>
-        </p:txBody>
-      </p:sp>
-      <p:sp>
-        <p:nvSpPr>
-          <p:cNvPr id="5" name="Title 1">
+            <a:pPr algn="ctr"/>
+            <a:r>
+              <a:rPr lang="en-AU" b="1" dirty="0"/>
+              <a:t>Team Members</a:t>
+            </a:r>
+            <a:br>
+              <a:rPr lang="en-AU" b="1" dirty="0"/>
+            </a:br>
+            <a:br>
+              <a:rPr lang="en-AU" b="1" dirty="0"/>
+            </a:br>
+            <a:br>
+              <a:rPr lang="en-AU" b="1" dirty="0"/>
+            </a:br>
+            <a:r>
+              <a:rPr lang="en-AU" b="1" dirty="0"/>
+              <a:t>We are a newly formed project team </a:t>
+            </a:r>
+            <a:br>
+              <a:rPr lang="en-AU" sz="2800" dirty="0"/>
+            </a:br>
+            <a:br>
+              <a:rPr lang="en-AU" sz="2800" dirty="0"/>
+            </a:br>
+            <a:endParaRPr lang="en-US" sz="2800" dirty="0"/>
+          </a:p>
+        </p:txBody>
+      </p:sp>
+      <p:pic>
+        <p:nvPicPr>
+          <p:cNvPr id="7" name="Content Placeholder 6">
             <a:extLst>
               <a:ext uri="{FF2B5EF4-FFF2-40B4-BE49-F238E27FC236}">
-                <a16:creationId xmlns:a16="http://schemas.microsoft.com/office/drawing/2014/main" id="{E9833BF4-3A19-9242-96EF-4965E177CD76}"/>
+                <a16:creationId xmlns:a16="http://schemas.microsoft.com/office/drawing/2014/main" id="{42F6360E-E17F-E44F-8804-3F2B9E4720EE}"/>
               </a:ext>
             </a:extLst>
           </p:cNvPr>
-          <p:cNvSpPr>
-            <a:spLocks noGrp="1"/>
-          </p:cNvSpPr>
-          <p:nvPr>
-            <p:ph type="title"/>
-          </p:nvPr>
-        </p:nvSpPr>
+          <p:cNvPicPr>
+            <a:picLocks noGrp="1" noChangeAspect="1"/>
+          </p:cNvPicPr>
+          <p:nvPr>
+            <p:ph idx="1"/>
+          </p:nvPr>
+        </p:nvPicPr>
+        <p:blipFill>
+          <a:blip r:embed="rId2"/>
+          <a:stretch>
+            <a:fillRect/>
+          </a:stretch>
+        </p:blipFill>
         <p:spPr>
           <a:xfrm>
-            <a:off x="252919" y="1123837"/>
-            <a:ext cx="3086026" cy="4601183"/>
+            <a:off x="2742447" y="498764"/>
+            <a:ext cx="9449553" cy="7087165"/>
           </a:xfrm>
         </p:spPr>
-        <p:txBody>
-          <a:bodyPr>
-            <a:noAutofit/>
-          </a:bodyPr>
-          <a:lstStyle/>
-          <a:p>
-            <a:r>
-              <a:rPr lang="en-AU" sz="2400" dirty="0"/>
-              <a:t>This project will upgrade the former course selection project in many fields including improving Graphical User Interface (GUI), offering access control for ANU stuff and former bugs fixing. Students could select personalized course depending on their interaction with website and give feedback to Anu stuff directly.</a:t>
-            </a:r>
-            <a:endParaRPr lang="en-US" sz="2400" dirty="0"/>
-          </a:p>
-        </p:txBody>
-      </p:sp>
-      <p:sp>
-        <p:nvSpPr>
-          <p:cNvPr id="6" name="Rectangle 5">
+      </p:pic>
+      <p:sp>
+        <p:nvSpPr>
+          <p:cNvPr id="5" name="Rectangle 4">
             <a:extLst>
               <a:ext uri="{FF2B5EF4-FFF2-40B4-BE49-F238E27FC236}">
-                <a16:creationId xmlns:a16="http://schemas.microsoft.com/office/drawing/2014/main" id="{27E9617D-DD4A-3244-89C0-73FE4E85DB87}"/>
+                <a16:creationId xmlns:a16="http://schemas.microsoft.com/office/drawing/2014/main" id="{B231E2B7-C977-3E4D-9524-627E10AA25EB}"/>
               </a:ext>
             </a:extLst>
           </p:cNvPr>
@@ -4237,7 +5143,7 @@
           <a:p>
             <a:pPr algn="ctr"/>
             <a:r>
-              <a:rPr lang="en-US" sz="4800" b="1" dirty="0">
+              <a:rPr lang="en-AU" sz="4800" b="1" dirty="0">
                 <a:ln w="9525">
                   <a:solidFill>
                     <a:schemeClr val="bg1"/>
@@ -4252,18 +5158,15 @@
                   </a:outerShdw>
                 </a:effectLst>
               </a:rPr>
-              <a:t>Million Coursework Students</a:t>
-            </a:r>
-            <a:endParaRPr lang="en-US" sz="4800" b="1" cap="none" spc="0" dirty="0">
+              <a:t>Intelligent Course Scheduler</a:t>
+            </a:r>
+            <a:endParaRPr lang="en-US" sz="4800" b="1" dirty="0">
               <a:ln w="9525">
                 <a:solidFill>
                   <a:schemeClr val="bg1"/>
                 </a:solidFill>
                 <a:prstDash val="solid"/>
               </a:ln>
-              <a:solidFill>
-                <a:schemeClr val="tx1"/>
-              </a:solidFill>
               <a:effectLst>
                 <a:outerShdw blurRad="12700" dist="38100" dir="2700000" algn="tl" rotWithShape="0">
                   <a:schemeClr val="bg1">
@@ -4272,6 +5175,348 @@
                 </a:outerShdw>
               </a:effectLst>
             </a:endParaRPr>
+          </a:p>
+        </p:txBody>
+      </p:sp>
+    </p:spTree>
+    <p:extLst>
+      <p:ext uri="{BB962C8B-B14F-4D97-AF65-F5344CB8AC3E}">
+        <p14:creationId xmlns:p14="http://schemas.microsoft.com/office/powerpoint/2010/main" val="3947065388"/>
+      </p:ext>
+    </p:extLst>
+  </p:cSld>
+  <p:clrMapOvr>
+    <a:masterClrMapping/>
+  </p:clrMapOvr>
+</p:sld>
+</file>
+
+<file path=ppt/slides/slide3.xml><?xml version="1.0" encoding="utf-8"?>
+<p:sld xmlns:a="http://schemas.openxmlformats.org/drawingml/2006/main" xmlns:r="http://schemas.openxmlformats.org/officeDocument/2006/relationships" xmlns:p="http://schemas.openxmlformats.org/presentationml/2006/main">
+  <p:cSld>
+    <p:spTree>
+      <p:nvGrpSpPr>
+        <p:cNvPr id="1" name=""/>
+        <p:cNvGrpSpPr/>
+        <p:nvPr/>
+      </p:nvGrpSpPr>
+      <p:grpSpPr>
+        <a:xfrm>
+          <a:off x="0" y="0"/>
+          <a:ext cx="0" cy="0"/>
+          <a:chOff x="0" y="0"/>
+          <a:chExt cx="0" cy="0"/>
+        </a:xfrm>
+      </p:grpSpPr>
+      <p:sp>
+        <p:nvSpPr>
+          <p:cNvPr id="2" name="Title 1">
+            <a:extLst>
+              <a:ext uri="{FF2B5EF4-FFF2-40B4-BE49-F238E27FC236}">
+                <a16:creationId xmlns:a16="http://schemas.microsoft.com/office/drawing/2014/main" id="{702D84C5-3C4A-F44C-8507-80F3050A595C}"/>
+              </a:ext>
+            </a:extLst>
+          </p:cNvPr>
+          <p:cNvSpPr>
+            <a:spLocks noGrp="1"/>
+          </p:cNvSpPr>
+          <p:nvPr>
+            <p:ph type="title"/>
+          </p:nvPr>
+        </p:nvSpPr>
+        <p:spPr/>
+        <p:txBody>
+          <a:bodyPr/>
+          <a:lstStyle/>
+          <a:p>
+            <a:pPr algn="ctr"/>
+            <a:r>
+              <a:rPr lang="en-US" b="1" dirty="0"/>
+              <a:t>Project</a:t>
+            </a:r>
+            <a:br>
+              <a:rPr lang="en-US" b="1" dirty="0"/>
+            </a:br>
+            <a:r>
+              <a:rPr lang="en-US" b="1" dirty="0"/>
+              <a:t>Introduction</a:t>
+            </a:r>
+          </a:p>
+        </p:txBody>
+      </p:sp>
+      <p:sp>
+        <p:nvSpPr>
+          <p:cNvPr id="3" name="Content Placeholder 2">
+            <a:extLst>
+              <a:ext uri="{FF2B5EF4-FFF2-40B4-BE49-F238E27FC236}">
+                <a16:creationId xmlns:a16="http://schemas.microsoft.com/office/drawing/2014/main" id="{BF5DA89A-2C07-2841-AFB9-D3940957F08E}"/>
+              </a:ext>
+            </a:extLst>
+          </p:cNvPr>
+          <p:cNvSpPr>
+            <a:spLocks noGrp="1"/>
+          </p:cNvSpPr>
+          <p:nvPr>
+            <p:ph idx="1"/>
+          </p:nvPr>
+        </p:nvSpPr>
+        <p:spPr/>
+        <p:txBody>
+          <a:bodyPr>
+            <a:normAutofit/>
+          </a:bodyPr>
+          <a:lstStyle/>
+          <a:p>
+            <a:pPr marL="0" indent="0">
+              <a:buNone/>
+            </a:pPr>
+            <a:r>
+              <a:rPr lang="en-AU" sz="2400" dirty="0"/>
+              <a:t>This project will </a:t>
+            </a:r>
+            <a:r>
+              <a:rPr lang="en-AU" sz="2400" b="1" dirty="0"/>
+              <a:t>upgrade</a:t>
+            </a:r>
+            <a:r>
+              <a:rPr lang="en-AU" sz="2400" dirty="0"/>
+              <a:t> the former </a:t>
+            </a:r>
+            <a:r>
+              <a:rPr lang="en-AU" sz="2400" b="1" dirty="0"/>
+              <a:t>intelligent Course Scheduler </a:t>
+            </a:r>
+            <a:r>
+              <a:rPr lang="en-AU" sz="2400" dirty="0"/>
+              <a:t>project in many fields including improving Graphical User Interface (GUI), offering access control for ANU staff and former bugs fixing.</a:t>
+            </a:r>
+          </a:p>
+          <a:p>
+            <a:pPr marL="0" indent="0">
+              <a:buNone/>
+            </a:pPr>
+            <a:r>
+              <a:rPr lang="en-AU" sz="2400" dirty="0"/>
+              <a:t> The Intelligent Course Scheduler, currently known as ANU ICS, offers interactive degree planning and personalised course discovery to make picking courses simple and enjoyable for students. </a:t>
+            </a:r>
+          </a:p>
+          <a:p>
+            <a:pPr marL="0" indent="0">
+              <a:buNone/>
+            </a:pPr>
+            <a:r>
+              <a:rPr lang="en-AU" sz="2400" dirty="0"/>
+              <a:t>It uses machine learning to recommend courses to students, and provides university administrators with a structured data model of the entire system of courses, majors, and degree requirements.</a:t>
+            </a:r>
+            <a:endParaRPr lang="en-US" sz="2400" dirty="0"/>
+          </a:p>
+        </p:txBody>
+      </p:sp>
+      <p:sp>
+        <p:nvSpPr>
+          <p:cNvPr id="4" name="Rectangle 3">
+            <a:extLst>
+              <a:ext uri="{FF2B5EF4-FFF2-40B4-BE49-F238E27FC236}">
+                <a16:creationId xmlns:a16="http://schemas.microsoft.com/office/drawing/2014/main" id="{4A6D05B0-EBD2-E340-9FA9-DB687684BEA8}"/>
+              </a:ext>
+            </a:extLst>
+          </p:cNvPr>
+          <p:cNvSpPr/>
+          <p:nvPr/>
+        </p:nvSpPr>
+        <p:spPr>
+          <a:xfrm>
+            <a:off x="3159679" y="292840"/>
+            <a:ext cx="8734377" cy="830997"/>
+          </a:xfrm>
+          <a:prstGeom prst="rect">
+            <a:avLst/>
+          </a:prstGeom>
+          <a:noFill/>
+        </p:spPr>
+        <p:txBody>
+          <a:bodyPr wrap="square" lIns="91440" tIns="45720" rIns="91440" bIns="45720">
+            <a:spAutoFit/>
+          </a:bodyPr>
+          <a:lstStyle/>
+          <a:p>
+            <a:pPr algn="ctr"/>
+            <a:r>
+              <a:rPr lang="en-AU" sz="4800" b="1" dirty="0">
+                <a:ln w="9525">
+                  <a:solidFill>
+                    <a:schemeClr val="bg1"/>
+                  </a:solidFill>
+                  <a:prstDash val="solid"/>
+                </a:ln>
+                <a:effectLst>
+                  <a:outerShdw blurRad="12700" dist="38100" dir="2700000" algn="tl" rotWithShape="0">
+                    <a:schemeClr val="bg1">
+                      <a:lumMod val="50000"/>
+                    </a:schemeClr>
+                  </a:outerShdw>
+                </a:effectLst>
+              </a:rPr>
+              <a:t>Intelligent Course Scheduler</a:t>
+            </a:r>
+            <a:endParaRPr lang="en-US" sz="4800" b="1" dirty="0">
+              <a:ln w="9525">
+                <a:solidFill>
+                  <a:schemeClr val="bg1"/>
+                </a:solidFill>
+                <a:prstDash val="solid"/>
+              </a:ln>
+              <a:effectLst>
+                <a:outerShdw blurRad="12700" dist="38100" dir="2700000" algn="tl" rotWithShape="0">
+                  <a:schemeClr val="bg1">
+                    <a:lumMod val="50000"/>
+                  </a:schemeClr>
+                </a:outerShdw>
+              </a:effectLst>
+            </a:endParaRPr>
+          </a:p>
+        </p:txBody>
+      </p:sp>
+    </p:spTree>
+    <p:extLst>
+      <p:ext uri="{BB962C8B-B14F-4D97-AF65-F5344CB8AC3E}">
+        <p14:creationId xmlns:p14="http://schemas.microsoft.com/office/powerpoint/2010/main" val="1248856131"/>
+      </p:ext>
+    </p:extLst>
+  </p:cSld>
+  <p:clrMapOvr>
+    <a:masterClrMapping/>
+  </p:clrMapOvr>
+</p:sld>
+</file>
+
+<file path=ppt/slides/slide4.xml><?xml version="1.0" encoding="utf-8"?>
+<p:sld xmlns:a="http://schemas.openxmlformats.org/drawingml/2006/main" xmlns:r="http://schemas.openxmlformats.org/officeDocument/2006/relationships" xmlns:p="http://schemas.openxmlformats.org/presentationml/2006/main">
+  <p:cSld>
+    <p:spTree>
+      <p:nvGrpSpPr>
+        <p:cNvPr id="1" name=""/>
+        <p:cNvGrpSpPr/>
+        <p:nvPr/>
+      </p:nvGrpSpPr>
+      <p:grpSpPr>
+        <a:xfrm>
+          <a:off x="0" y="0"/>
+          <a:ext cx="0" cy="0"/>
+          <a:chOff x="0" y="0"/>
+          <a:chExt cx="0" cy="0"/>
+        </a:xfrm>
+      </p:grpSpPr>
+      <p:sp>
+        <p:nvSpPr>
+          <p:cNvPr id="3" name="Content Placeholder 2">
+            <a:extLst>
+              <a:ext uri="{FF2B5EF4-FFF2-40B4-BE49-F238E27FC236}">
+                <a16:creationId xmlns:a16="http://schemas.microsoft.com/office/drawing/2014/main" id="{D14C13E2-25BE-774D-BF4A-E781EBB42C8C}"/>
+              </a:ext>
+            </a:extLst>
+          </p:cNvPr>
+          <p:cNvSpPr>
+            <a:spLocks noGrp="1"/>
+          </p:cNvSpPr>
+          <p:nvPr>
+            <p:ph idx="1"/>
+          </p:nvPr>
+        </p:nvSpPr>
+        <p:spPr/>
+        <p:txBody>
+          <a:bodyPr>
+            <a:normAutofit/>
+          </a:bodyPr>
+          <a:lstStyle/>
+          <a:p>
+            <a:pPr marL="0" indent="0" algn="ctr">
+              <a:buNone/>
+            </a:pPr>
+            <a:r>
+              <a:rPr lang="en-US" sz="2400" b="1" dirty="0"/>
+              <a:t>Our</a:t>
+            </a:r>
+            <a:r>
+              <a:rPr lang="zh-CN" altLang="en-US" sz="2400" b="1" dirty="0"/>
+              <a:t> </a:t>
+            </a:r>
+            <a:r>
+              <a:rPr lang="en-AU" sz="2400" b="1" dirty="0"/>
+              <a:t>Key Stakeholders and their Expectations</a:t>
+            </a:r>
+            <a:r>
+              <a:rPr lang="en-US" altLang="zh-CN" sz="2400" b="1" dirty="0"/>
+              <a:t>:</a:t>
+            </a:r>
+          </a:p>
+          <a:p>
+            <a:pPr marL="0" indent="0">
+              <a:buNone/>
+            </a:pPr>
+            <a:endParaRPr lang="en-US" altLang="zh-CN" sz="2400" b="1" dirty="0"/>
+          </a:p>
+          <a:p>
+            <a:pPr marL="0" indent="0">
+              <a:buNone/>
+            </a:pPr>
+            <a:endParaRPr lang="en-US" altLang="zh-CN" sz="2400" b="1" dirty="0"/>
+          </a:p>
+          <a:p>
+            <a:pPr marL="0" indent="0">
+              <a:buNone/>
+            </a:pPr>
+            <a:endParaRPr lang="en-US" sz="2400" b="1" dirty="0"/>
+          </a:p>
+          <a:p>
+            <a:pPr marL="0" indent="0">
+              <a:buNone/>
+            </a:pPr>
+            <a:endParaRPr lang="en-US" sz="2400" b="1" dirty="0"/>
+          </a:p>
+        </p:txBody>
+      </p:sp>
+      <p:sp>
+        <p:nvSpPr>
+          <p:cNvPr id="5" name="Title 1">
+            <a:extLst>
+              <a:ext uri="{FF2B5EF4-FFF2-40B4-BE49-F238E27FC236}">
+                <a16:creationId xmlns:a16="http://schemas.microsoft.com/office/drawing/2014/main" id="{E9833BF4-3A19-9242-96EF-4965E177CD76}"/>
+              </a:ext>
+            </a:extLst>
+          </p:cNvPr>
+          <p:cNvSpPr>
+            <a:spLocks noGrp="1"/>
+          </p:cNvSpPr>
+          <p:nvPr>
+            <p:ph type="title"/>
+          </p:nvPr>
+        </p:nvSpPr>
+        <p:spPr>
+          <a:xfrm>
+            <a:off x="252919" y="1123837"/>
+            <a:ext cx="3086026" cy="4601183"/>
+          </a:xfrm>
+        </p:spPr>
+        <p:txBody>
+          <a:bodyPr>
+            <a:noAutofit/>
+          </a:bodyPr>
+          <a:lstStyle/>
+          <a:p>
+            <a:pPr algn="ctr"/>
+            <a:r>
+              <a:rPr lang="en-AU" b="1" dirty="0"/>
+              <a:t>Main</a:t>
+            </a:r>
+            <a:br>
+              <a:rPr lang="en-AU" b="1" dirty="0"/>
+            </a:br>
+            <a:r>
+              <a:rPr lang="en-AU" b="1" dirty="0"/>
+              <a:t>Stakeholders</a:t>
+            </a:r>
+            <a:endParaRPr lang="en-US" altLang="zh-CN" b="1" dirty="0"/>
           </a:p>
         </p:txBody>
       </p:sp>
@@ -4291,20 +5536,84 @@
         </p:nvPicPr>
         <p:blipFill>
           <a:blip r:embed="rId2"/>
-          <a:stretch>
-            <a:fillRect/>
-          </a:stretch>
+          <a:srcRect/>
+          <a:stretch/>
         </p:blipFill>
         <p:spPr>
           <a:xfrm>
-            <a:off x="3869268" y="4167927"/>
-            <a:ext cx="7647709" cy="2388089"/>
+            <a:off x="3442437" y="2687782"/>
+            <a:ext cx="8168859" cy="2722953"/>
           </a:xfrm>
           <a:prstGeom prst="rect">
             <a:avLst/>
           </a:prstGeom>
         </p:spPr>
       </p:pic>
+      <p:sp>
+        <p:nvSpPr>
+          <p:cNvPr id="7" name="Rectangle 6">
+            <a:extLst>
+              <a:ext uri="{FF2B5EF4-FFF2-40B4-BE49-F238E27FC236}">
+                <a16:creationId xmlns:a16="http://schemas.microsoft.com/office/drawing/2014/main" id="{B0DE7FAA-3FC9-D948-9286-BD037137FE47}"/>
+              </a:ext>
+            </a:extLst>
+          </p:cNvPr>
+          <p:cNvSpPr/>
+          <p:nvPr/>
+        </p:nvSpPr>
+        <p:spPr>
+          <a:xfrm>
+            <a:off x="3159679" y="292840"/>
+            <a:ext cx="8734377" cy="830997"/>
+          </a:xfrm>
+          <a:prstGeom prst="rect">
+            <a:avLst/>
+          </a:prstGeom>
+          <a:noFill/>
+        </p:spPr>
+        <p:txBody>
+          <a:bodyPr wrap="square" lIns="91440" tIns="45720" rIns="91440" bIns="45720">
+            <a:spAutoFit/>
+          </a:bodyPr>
+          <a:lstStyle/>
+          <a:p>
+            <a:pPr algn="ctr"/>
+            <a:r>
+              <a:rPr lang="en-AU" sz="4800" b="1" dirty="0">
+                <a:ln w="9525">
+                  <a:solidFill>
+                    <a:schemeClr val="bg1"/>
+                  </a:solidFill>
+                  <a:prstDash val="solid"/>
+                </a:ln>
+                <a:effectLst>
+                  <a:outerShdw blurRad="12700" dist="38100" dir="2700000" algn="tl" rotWithShape="0">
+                    <a:schemeClr val="bg1">
+                      <a:lumMod val="50000"/>
+                    </a:schemeClr>
+                  </a:outerShdw>
+                </a:effectLst>
+              </a:rPr>
+              <a:t>Intelligent Course Scheduler</a:t>
+            </a:r>
+            <a:endParaRPr lang="en-US" sz="4800" b="1" dirty="0">
+              <a:ln w="9525">
+                <a:solidFill>
+                  <a:schemeClr val="bg1"/>
+                </a:solidFill>
+                <a:prstDash val="solid"/>
+              </a:ln>
+              <a:effectLst>
+                <a:outerShdw blurRad="12700" dist="38100" dir="2700000" algn="tl" rotWithShape="0">
+                  <a:schemeClr val="bg1">
+                    <a:lumMod val="50000"/>
+                  </a:schemeClr>
+                </a:outerShdw>
+              </a:effectLst>
+            </a:endParaRPr>
+          </a:p>
+        </p:txBody>
+      </p:sp>
     </p:spTree>
     <p:extLst>
       <p:ext uri="{BB962C8B-B14F-4D97-AF65-F5344CB8AC3E}">
@@ -4318,7 +5627,7 @@
 </p:sld>
 </file>
 
-<file path=ppt/slides/slide3.xml><?xml version="1.0" encoding="utf-8"?>
+<file path=ppt/slides/slide5.xml><?xml version="1.0" encoding="utf-8"?>
 <p:sld xmlns:a="http://schemas.openxmlformats.org/drawingml/2006/main" xmlns:r="http://schemas.openxmlformats.org/officeDocument/2006/relationships" xmlns:p="http://schemas.openxmlformats.org/presentationml/2006/main">
   <p:cSld>
     <p:spTree>
@@ -4668,10 +5977,10 @@
       </p:graphicFrame>
       <p:sp>
         <p:nvSpPr>
-          <p:cNvPr id="5" name="Rectangle 4">
+          <p:cNvPr id="6" name="Rectangle 5">
             <a:extLst>
               <a:ext uri="{FF2B5EF4-FFF2-40B4-BE49-F238E27FC236}">
-                <a16:creationId xmlns:a16="http://schemas.microsoft.com/office/drawing/2014/main" id="{E605F516-E885-9C4D-8222-89059357B44B}"/>
+                <a16:creationId xmlns:a16="http://schemas.microsoft.com/office/drawing/2014/main" id="{60BA93B7-0A81-3145-9F60-3C4B7EAF473A}"/>
               </a:ext>
             </a:extLst>
           </p:cNvPr>
@@ -4696,7 +6005,7 @@
           <a:p>
             <a:pPr algn="ctr"/>
             <a:r>
-              <a:rPr lang="en-US" sz="4800" b="1" dirty="0">
+              <a:rPr lang="en-AU" sz="4800" b="1" dirty="0">
                 <a:ln w="9525">
                   <a:solidFill>
                     <a:schemeClr val="bg1"/>
@@ -4711,18 +6020,15 @@
                   </a:outerShdw>
                 </a:effectLst>
               </a:rPr>
-              <a:t>Million Coursework Students</a:t>
-            </a:r>
-            <a:endParaRPr lang="en-US" sz="4800" b="1" cap="none" spc="0" dirty="0">
+              <a:t>Intelligent Course Scheduler</a:t>
+            </a:r>
+            <a:endParaRPr lang="en-US" sz="4800" b="1" dirty="0">
               <a:ln w="9525">
                 <a:solidFill>
                   <a:schemeClr val="bg1"/>
                 </a:solidFill>
                 <a:prstDash val="solid"/>
               </a:ln>
-              <a:solidFill>
-                <a:schemeClr val="tx1"/>
-              </a:solidFill>
               <a:effectLst>
                 <a:outerShdw blurRad="12700" dist="38100" dir="2700000" algn="tl" rotWithShape="0">
                   <a:schemeClr val="bg1">
@@ -4747,7 +6053,7 @@
 </p:sld>
 </file>
 
-<file path=ppt/slides/slide4.xml><?xml version="1.0" encoding="utf-8"?>
+<file path=ppt/slides/slide6.xml><?xml version="1.0" encoding="utf-8"?>
 <p:sld xmlns:a="http://schemas.openxmlformats.org/drawingml/2006/main" xmlns:r="http://schemas.openxmlformats.org/officeDocument/2006/relationships" xmlns:p="http://schemas.openxmlformats.org/presentationml/2006/main">
   <p:cSld>
     <p:spTree>
@@ -4787,6 +6093,7 @@
           </a:bodyPr>
           <a:lstStyle/>
           <a:p>
+            <a:pPr algn="ctr"/>
             <a:r>
               <a:rPr lang="en-AU" b="1" dirty="0"/>
               <a:t>Project Schedule</a:t>
@@ -4863,23 +6170,93 @@
         </p:nvPicPr>
         <p:blipFill>
           <a:blip r:embed="rId2"/>
-          <a:stretch>
-            <a:fillRect/>
-          </a:stretch>
+          <a:srcRect/>
+          <a:stretch/>
         </p:blipFill>
         <p:spPr>
           <a:xfrm>
-            <a:off x="3457536" y="2018192"/>
-            <a:ext cx="8734464" cy="2812472"/>
+            <a:off x="3457536" y="1829702"/>
+            <a:ext cx="8734464" cy="2304378"/>
           </a:xfrm>
         </p:spPr>
       </p:pic>
       <p:sp>
         <p:nvSpPr>
-          <p:cNvPr id="4" name="Rectangle 3">
+          <p:cNvPr id="7" name="Rectangle 6">
             <a:extLst>
               <a:ext uri="{FF2B5EF4-FFF2-40B4-BE49-F238E27FC236}">
-                <a16:creationId xmlns:a16="http://schemas.microsoft.com/office/drawing/2014/main" id="{29037BF7-71B5-0C48-B6F4-265F4CBD5022}"/>
+                <a16:creationId xmlns:a16="http://schemas.microsoft.com/office/drawing/2014/main" id="{FD167749-EF81-EF44-A8F0-6D2366E7F9A7}"/>
+              </a:ext>
+            </a:extLst>
+          </p:cNvPr>
+          <p:cNvSpPr/>
+          <p:nvPr/>
+        </p:nvSpPr>
+        <p:spPr>
+          <a:xfrm>
+            <a:off x="3761958" y="4570858"/>
+            <a:ext cx="8125620" cy="2308324"/>
+          </a:xfrm>
+          <a:prstGeom prst="rect">
+            <a:avLst/>
+          </a:prstGeom>
+        </p:spPr>
+        <p:txBody>
+          <a:bodyPr wrap="square">
+            <a:spAutoFit/>
+          </a:bodyPr>
+          <a:lstStyle/>
+          <a:p>
+            <a:r>
+              <a:rPr lang="en-AU" b="1" dirty="0"/>
+              <a:t>Kick-Off</a:t>
+            </a:r>
+            <a:r>
+              <a:rPr lang="en-AU" dirty="0"/>
+              <a:t>: Weeks 1 - 2. Team member recruitment, onboarding, project definition and setup.</a:t>
+            </a:r>
+          </a:p>
+          <a:p>
+            <a:r>
+              <a:rPr lang="en-AU" b="1" dirty="0"/>
+              <a:t>Sprint 1</a:t>
+            </a:r>
+            <a:r>
+              <a:rPr lang="en-AU" dirty="0"/>
+              <a:t>: Weeks 3 - 5. Project Audit 1, read and update feature for graphical user interface.</a:t>
+            </a:r>
+          </a:p>
+          <a:p>
+            <a:r>
+              <a:rPr lang="en-AU" b="1" dirty="0"/>
+              <a:t>Sprint 2</a:t>
+            </a:r>
+            <a:r>
+              <a:rPr lang="en-AU" dirty="0"/>
+              <a:t>: Weeks 6 - 7. Project Audit 2, create and delete feature for graphical user interface, access control.</a:t>
+            </a:r>
+          </a:p>
+          <a:p>
+            <a:r>
+              <a:rPr lang="en-AU" b="1" dirty="0"/>
+              <a:t>Sprint 3</a:t>
+            </a:r>
+            <a:r>
+              <a:rPr lang="en-AU" dirty="0"/>
+              <a:t>: Weeks 8 - 10. Project Audit 3, copy and paste feature, project poster.</a:t>
+            </a:r>
+          </a:p>
+          <a:p>
+            <a:endParaRPr lang="en-US" dirty="0"/>
+          </a:p>
+        </p:txBody>
+      </p:sp>
+      <p:sp>
+        <p:nvSpPr>
+          <p:cNvPr id="8" name="Rectangle 7">
+            <a:extLst>
+              <a:ext uri="{FF2B5EF4-FFF2-40B4-BE49-F238E27FC236}">
+                <a16:creationId xmlns:a16="http://schemas.microsoft.com/office/drawing/2014/main" id="{46C300C7-11A8-4149-96A2-2D4455BC638F}"/>
               </a:ext>
             </a:extLst>
           </p:cNvPr>
@@ -4904,7 +6281,7 @@
           <a:p>
             <a:pPr algn="ctr"/>
             <a:r>
-              <a:rPr lang="en-US" sz="4800" b="1" dirty="0">
+              <a:rPr lang="en-AU" sz="4800" b="1" dirty="0">
                 <a:ln w="9525">
                   <a:solidFill>
                     <a:schemeClr val="bg1"/>
@@ -4919,18 +6296,15 @@
                   </a:outerShdw>
                 </a:effectLst>
               </a:rPr>
-              <a:t>Million Coursework Students</a:t>
-            </a:r>
-            <a:endParaRPr lang="en-US" sz="4800" b="1" cap="none" spc="0" dirty="0">
+              <a:t>Intelligent Course Scheduler</a:t>
+            </a:r>
+            <a:endParaRPr lang="en-US" sz="4800" b="1" dirty="0">
               <a:ln w="9525">
                 <a:solidFill>
                   <a:schemeClr val="bg1"/>
                 </a:solidFill>
                 <a:prstDash val="solid"/>
               </a:ln>
-              <a:solidFill>
-                <a:schemeClr val="tx1"/>
-              </a:solidFill>
               <a:effectLst>
                 <a:outerShdw blurRad="12700" dist="38100" dir="2700000" algn="tl" rotWithShape="0">
                   <a:schemeClr val="bg1">
@@ -4939,77 +6313,6 @@
                 </a:outerShdw>
               </a:effectLst>
             </a:endParaRPr>
-          </a:p>
-        </p:txBody>
-      </p:sp>
-      <p:sp>
-        <p:nvSpPr>
-          <p:cNvPr id="7" name="Rectangle 6">
-            <a:extLst>
-              <a:ext uri="{FF2B5EF4-FFF2-40B4-BE49-F238E27FC236}">
-                <a16:creationId xmlns:a16="http://schemas.microsoft.com/office/drawing/2014/main" id="{FD167749-EF81-EF44-A8F0-6D2366E7F9A7}"/>
-              </a:ext>
-            </a:extLst>
-          </p:cNvPr>
-          <p:cNvSpPr/>
-          <p:nvPr/>
-        </p:nvSpPr>
-        <p:spPr>
-          <a:xfrm>
-            <a:off x="3761958" y="4839946"/>
-            <a:ext cx="8125620" cy="1477328"/>
-          </a:xfrm>
-          <a:prstGeom prst="rect">
-            <a:avLst/>
-          </a:prstGeom>
-        </p:spPr>
-        <p:txBody>
-          <a:bodyPr wrap="square">
-            <a:spAutoFit/>
-          </a:bodyPr>
-          <a:lstStyle/>
-          <a:p>
-            <a:r>
-              <a:rPr lang="en-AU" b="1" dirty="0"/>
-              <a:t>Kick-Off</a:t>
-            </a:r>
-            <a:r>
-              <a:rPr lang="en-AU" dirty="0"/>
-              <a:t>: Team member recruitment, onboarding, project definition and setup.</a:t>
-            </a:r>
-          </a:p>
-          <a:p>
-            <a:r>
-              <a:rPr lang="en-AU" b="1" dirty="0"/>
-              <a:t>Sprint 1</a:t>
-            </a:r>
-            <a:r>
-              <a:rPr lang="en-AU" dirty="0"/>
-              <a:t>: Project Audit 1, graphical user interface, bug fixing.</a:t>
-            </a:r>
-          </a:p>
-          <a:p>
-            <a:r>
-              <a:rPr lang="en-AU" b="1" dirty="0"/>
-              <a:t>Sprint 2</a:t>
-            </a:r>
-            <a:r>
-              <a:rPr lang="en-AU" dirty="0"/>
-              <a:t>: Project Audit 2, CRUD functions, copy function and bug fixing.</a:t>
-            </a:r>
-          </a:p>
-          <a:p>
-            <a:r>
-              <a:rPr lang="en-AU" b="1" dirty="0"/>
-              <a:t>Sprint 3</a:t>
-            </a:r>
-            <a:r>
-              <a:rPr lang="en-AU" dirty="0"/>
-              <a:t>: Project Audit 3, paste function, access control and bug fixing.</a:t>
-            </a:r>
-          </a:p>
-          <a:p>
-            <a:endParaRPr lang="en-US" dirty="0"/>
           </a:p>
         </p:txBody>
       </p:sp>
@@ -5026,7 +6329,7 @@
 </p:sld>
 </file>
 
-<file path=ppt/slides/slide5.xml><?xml version="1.0" encoding="utf-8"?>
+<file path=ppt/slides/slide7.xml><?xml version="1.0" encoding="utf-8"?>
 <p:sld xmlns:a="http://schemas.openxmlformats.org/drawingml/2006/main" xmlns:r="http://schemas.openxmlformats.org/officeDocument/2006/relationships" xmlns:p="http://schemas.openxmlformats.org/presentationml/2006/main">
   <p:cSld>
     <p:spTree>
@@ -5061,23 +6364,85 @@
         </p:nvPicPr>
         <p:blipFill>
           <a:blip r:embed="rId2"/>
-          <a:stretch>
-            <a:fillRect/>
-          </a:stretch>
+          <a:srcRect/>
+          <a:stretch/>
         </p:blipFill>
         <p:spPr>
           <a:xfrm>
-            <a:off x="0" y="1662446"/>
-            <a:ext cx="12192000" cy="4428170"/>
+            <a:off x="0" y="1416224"/>
+            <a:ext cx="12192000" cy="4837234"/>
           </a:xfrm>
         </p:spPr>
       </p:pic>
       <p:sp>
         <p:nvSpPr>
-          <p:cNvPr id="4" name="Rectangle 3">
+          <p:cNvPr id="10" name="Rectangle 9">
             <a:extLst>
               <a:ext uri="{FF2B5EF4-FFF2-40B4-BE49-F238E27FC236}">
-                <a16:creationId xmlns:a16="http://schemas.microsoft.com/office/drawing/2014/main" id="{7C520AF5-3CBF-3C49-8F7E-0E1690F207B5}"/>
+                <a16:creationId xmlns:a16="http://schemas.microsoft.com/office/drawing/2014/main" id="{99B8B02B-FFC1-CC47-B043-CBB48DA0222B}"/>
+              </a:ext>
+            </a:extLst>
+          </p:cNvPr>
+          <p:cNvSpPr/>
+          <p:nvPr/>
+        </p:nvSpPr>
+        <p:spPr>
+          <a:xfrm>
+            <a:off x="297944" y="831449"/>
+            <a:ext cx="2861735" cy="584775"/>
+          </a:xfrm>
+          <a:prstGeom prst="rect">
+            <a:avLst/>
+          </a:prstGeom>
+        </p:spPr>
+        <p:txBody>
+          <a:bodyPr wrap="square">
+            <a:spAutoFit/>
+          </a:bodyPr>
+          <a:lstStyle/>
+          <a:p>
+            <a:pPr algn="ctr"/>
+            <a:r>
+              <a:rPr lang="en-AU" sz="3200" b="1" dirty="0">
+                <a:solidFill>
+                  <a:schemeClr val="bg1"/>
+                </a:solidFill>
+                <a:latin typeface="+mj-lt"/>
+              </a:rPr>
+              <a:t>Project</a:t>
+            </a:r>
+            <a:r>
+              <a:rPr lang="en-AU" b="1" dirty="0">
+                <a:solidFill>
+                  <a:schemeClr val="bg1"/>
+                </a:solidFill>
+              </a:rPr>
+              <a:t> </a:t>
+            </a:r>
+            <a:r>
+              <a:rPr lang="en-AU" sz="3200" b="1" dirty="0">
+                <a:solidFill>
+                  <a:schemeClr val="bg1"/>
+                </a:solidFill>
+                <a:latin typeface="+mj-lt"/>
+              </a:rPr>
+              <a:t>Gantt</a:t>
+            </a:r>
+            <a:endParaRPr lang="en-US" sz="3200" b="1" dirty="0">
+              <a:solidFill>
+                <a:schemeClr val="bg1"/>
+              </a:solidFill>
+              <a:latin typeface="+mj-lt"/>
+            </a:endParaRPr>
+          </a:p>
+        </p:txBody>
+      </p:sp>
+      <p:sp>
+        <p:nvSpPr>
+          <p:cNvPr id="5" name="Rectangle 4">
+            <a:extLst>
+              <a:ext uri="{FF2B5EF4-FFF2-40B4-BE49-F238E27FC236}">
+                <a16:creationId xmlns:a16="http://schemas.microsoft.com/office/drawing/2014/main" id="{8119726B-0F66-854C-9C86-2129FCCA329B}"/>
               </a:ext>
             </a:extLst>
           </p:cNvPr>
@@ -5102,7 +6467,7 @@
           <a:p>
             <a:pPr algn="ctr"/>
             <a:r>
-              <a:rPr lang="en-US" sz="4800" b="1" dirty="0">
+              <a:rPr lang="en-AU" sz="4800" b="1" dirty="0">
                 <a:ln w="9525">
                   <a:solidFill>
                     <a:schemeClr val="bg1"/>
@@ -5117,18 +6482,15 @@
                   </a:outerShdw>
                 </a:effectLst>
               </a:rPr>
-              <a:t>Million Coursework Students</a:t>
-            </a:r>
-            <a:endParaRPr lang="en-US" sz="4800" b="1" cap="none" spc="0" dirty="0">
+              <a:t>Intelligent Course Scheduler</a:t>
+            </a:r>
+            <a:endParaRPr lang="en-US" sz="4800" b="1" dirty="0">
               <a:ln w="9525">
                 <a:solidFill>
                   <a:schemeClr val="bg1"/>
                 </a:solidFill>
                 <a:prstDash val="solid"/>
               </a:ln>
-              <a:solidFill>
-                <a:schemeClr val="tx1"/>
-              </a:solidFill>
               <a:effectLst>
                 <a:outerShdw blurRad="12700" dist="38100" dir="2700000" algn="tl" rotWithShape="0">
                   <a:schemeClr val="bg1">
@@ -5136,68 +6498,6 @@
                   </a:schemeClr>
                 </a:outerShdw>
               </a:effectLst>
-            </a:endParaRPr>
-          </a:p>
-        </p:txBody>
-      </p:sp>
-      <p:sp>
-        <p:nvSpPr>
-          <p:cNvPr id="10" name="Rectangle 9">
-            <a:extLst>
-              <a:ext uri="{FF2B5EF4-FFF2-40B4-BE49-F238E27FC236}">
-                <a16:creationId xmlns:a16="http://schemas.microsoft.com/office/drawing/2014/main" id="{99B8B02B-FFC1-CC47-B043-CBB48DA0222B}"/>
-              </a:ext>
-            </a:extLst>
-          </p:cNvPr>
-          <p:cNvSpPr/>
-          <p:nvPr/>
-        </p:nvSpPr>
-        <p:spPr>
-          <a:xfrm>
-            <a:off x="297944" y="831449"/>
-            <a:ext cx="2861735" cy="584775"/>
-          </a:xfrm>
-          <a:prstGeom prst="rect">
-            <a:avLst/>
-          </a:prstGeom>
-        </p:spPr>
-        <p:txBody>
-          <a:bodyPr wrap="square">
-            <a:spAutoFit/>
-          </a:bodyPr>
-          <a:lstStyle/>
-          <a:p>
-            <a:r>
-              <a:rPr lang="en-AU" sz="3200" b="1" dirty="0">
-                <a:solidFill>
-                  <a:schemeClr val="bg1"/>
-                </a:solidFill>
-                <a:latin typeface="+mj-lt"/>
-              </a:rPr>
-              <a:t>Project</a:t>
-            </a:r>
-            <a:r>
-              <a:rPr lang="en-AU" b="1" dirty="0">
-                <a:solidFill>
-                  <a:schemeClr val="bg1"/>
-                </a:solidFill>
-              </a:rPr>
-              <a:t> </a:t>
-            </a:r>
-            <a:r>
-              <a:rPr lang="en-AU" sz="3200" b="1" dirty="0">
-                <a:solidFill>
-                  <a:schemeClr val="bg1"/>
-                </a:solidFill>
-                <a:latin typeface="+mj-lt"/>
-              </a:rPr>
-              <a:t>Gantt</a:t>
-            </a:r>
-            <a:endParaRPr lang="en-US" sz="3200" b="1" dirty="0">
-              <a:solidFill>
-                <a:schemeClr val="bg1"/>
-              </a:solidFill>
-              <a:latin typeface="+mj-lt"/>
             </a:endParaRPr>
           </a:p>
         </p:txBody>
@@ -5215,7 +6515,7 @@
 </p:sld>
 </file>
 
-<file path=ppt/slides/slide6.xml><?xml version="1.0" encoding="utf-8"?>
+<file path=ppt/slides/slide8.xml><?xml version="1.0" encoding="utf-8"?>
 <p:sld xmlns:a="http://schemas.openxmlformats.org/drawingml/2006/main" xmlns:r="http://schemas.openxmlformats.org/officeDocument/2006/relationships" xmlns:p="http://schemas.openxmlformats.org/presentationml/2006/main">
   <p:cSld>
     <p:spTree>
@@ -5237,7 +6537,7 @@
           <p:cNvPr id="2" name="Title 1">
             <a:extLst>
               <a:ext uri="{FF2B5EF4-FFF2-40B4-BE49-F238E27FC236}">
-                <a16:creationId xmlns:a16="http://schemas.microsoft.com/office/drawing/2014/main" id="{FFC200BB-0AB3-6845-AF6D-46AEFE875852}"/>
+                <a16:creationId xmlns:a16="http://schemas.microsoft.com/office/drawing/2014/main" id="{798E18DF-C702-4042-A7C8-EF2A7890854E}"/>
               </a:ext>
             </a:extLst>
           </p:cNvPr>
@@ -5254,17 +6554,13 @@
           <a:lstStyle/>
           <a:p>
             <a:r>
-              <a:rPr lang="en-US" dirty="0"/>
-              <a:t>We are adopting </a:t>
-            </a:r>
-            <a:r>
-              <a:rPr lang="en-US" b="1" dirty="0"/>
-              <a:t>SCRUM</a:t>
-            </a:r>
-            <a:r>
-              <a:rPr lang="en-US" dirty="0"/>
-              <a:t> as our project-management methodology.</a:t>
-            </a:r>
+              <a:rPr lang="en-AU" b="1" dirty="0"/>
+              <a:t>Client's Vision</a:t>
+            </a:r>
+            <a:br>
+              <a:rPr lang="en-AU" b="1" dirty="0"/>
+            </a:br>
+            <a:endParaRPr lang="en-US" dirty="0"/>
           </a:p>
         </p:txBody>
       </p:sp>
@@ -5273,7 +6569,7 @@
           <p:cNvPr id="3" name="Content Placeholder 2">
             <a:extLst>
               <a:ext uri="{FF2B5EF4-FFF2-40B4-BE49-F238E27FC236}">
-                <a16:creationId xmlns:a16="http://schemas.microsoft.com/office/drawing/2014/main" id="{33B9E528-4B00-244D-AC0C-1A59E23C7B4E}"/>
+                <a16:creationId xmlns:a16="http://schemas.microsoft.com/office/drawing/2014/main" id="{939DB7AD-FFA3-734B-9851-FAD27214050A}"/>
               </a:ext>
             </a:extLst>
           </p:cNvPr>
@@ -5284,133 +6580,36 @@
             <p:ph idx="1"/>
           </p:nvPr>
         </p:nvSpPr>
-        <p:spPr>
-          <a:xfrm>
-            <a:off x="3869267" y="1335163"/>
-            <a:ext cx="7315200" cy="5120640"/>
-          </a:xfrm>
-        </p:spPr>
+        <p:spPr/>
         <p:txBody>
           <a:bodyPr/>
           <a:lstStyle/>
           <a:p>
+            <a:r>
+              <a:rPr lang="en-AU" sz="2400" b="1" dirty="0"/>
+              <a:t>Improving the recommendation algorithms</a:t>
+            </a:r>
+          </a:p>
+          <a:p>
+            <a:endParaRPr lang="en-AU" sz="2400" b="1" dirty="0"/>
+          </a:p>
+          <a:p>
+            <a:r>
+              <a:rPr lang="en-AU" sz="2400" b="1" dirty="0"/>
+              <a:t>Dynamically auto-generated degree plans for students</a:t>
+            </a:r>
+          </a:p>
+          <a:p>
             <a:pPr marL="0" indent="0">
               <a:buNone/>
             </a:pPr>
+            <a:endParaRPr lang="en-AU" sz="2400" b="1" dirty="0"/>
+          </a:p>
+          <a:p>
             <a:r>
               <a:rPr lang="en-AU" sz="2400" b="1" dirty="0"/>
-              <a:t>TRACK of our Team management and communication </a:t>
-            </a:r>
-          </a:p>
-          <a:p>
-            <a:endParaRPr lang="en-AU" b="1" dirty="0"/>
-          </a:p>
-          <a:p>
-            <a:r>
-              <a:rPr lang="en-AU" b="1" dirty="0"/>
-              <a:t>Project Repository-</a:t>
-            </a:r>
-            <a:r>
-              <a:rPr lang="en-AU" b="1" dirty="0" err="1"/>
-              <a:t>github</a:t>
-            </a:r>
-            <a:r>
-              <a:rPr lang="en-AU" b="1" dirty="0"/>
-              <a:t> repo-"million-coursework":</a:t>
-            </a:r>
-            <a:r>
-              <a:rPr lang="en-AU" dirty="0"/>
-              <a:t> </a:t>
-            </a:r>
-            <a:r>
-              <a:rPr lang="en-AU" dirty="0">
-                <a:hlinkClick r:id="rId2"/>
-              </a:rPr>
-              <a:t>https://github.com/million-coursework</a:t>
-            </a:r>
-            <a:endParaRPr lang="en-AU" dirty="0"/>
-          </a:p>
-          <a:p>
-            <a:r>
-              <a:rPr lang="en-AU" b="1" dirty="0"/>
-              <a:t>Team communication tool-Slack channel：</a:t>
-            </a:r>
-            <a:r>
-              <a:rPr lang="en-AU" dirty="0"/>
-              <a:t> </a:t>
-            </a:r>
-            <a:r>
-              <a:rPr lang="en-AU" dirty="0">
-                <a:hlinkClick r:id="rId3"/>
-              </a:rPr>
-              <a:t>https://millioncourse.slack.com</a:t>
-            </a:r>
-            <a:endParaRPr lang="en-AU" dirty="0"/>
-          </a:p>
-          <a:p>
-            <a:r>
-              <a:rPr lang="en-AU" b="1" dirty="0"/>
-              <a:t>Task management: Trello board "Million Course Project":</a:t>
-            </a:r>
-            <a:r>
-              <a:rPr lang="en-AU" dirty="0"/>
-              <a:t> </a:t>
-            </a:r>
-            <a:r>
-              <a:rPr lang="en-AU" dirty="0">
-                <a:hlinkClick r:id="rId4"/>
-              </a:rPr>
-              <a:t>https://trello.com/b/NZ6f3hWP/million-course-project</a:t>
-            </a:r>
-            <a:endParaRPr lang="en-AU" dirty="0"/>
-          </a:p>
-          <a:p>
-            <a:r>
-              <a:rPr lang="en-AU" b="1" dirty="0"/>
-              <a:t>Contribution management: Google </a:t>
-            </a:r>
-            <a:r>
-              <a:rPr lang="en-AU" b="1" dirty="0" err="1"/>
-              <a:t>excel:</a:t>
-            </a:r>
-            <a:r>
-              <a:rPr lang="en-AU" dirty="0" err="1">
-                <a:hlinkClick r:id="rId5"/>
-              </a:rPr>
-              <a:t>https</a:t>
-            </a:r>
-            <a:r>
-              <a:rPr lang="en-AU" dirty="0">
-                <a:hlinkClick r:id="rId5"/>
-              </a:rPr>
-              <a:t>://docs.google.com/spreadsheets/d/1VDyPTPGakaePHO59xfDXeRE0bjdDeTqzyIgMXlnG3V4/edit?usp=sharing</a:t>
-            </a:r>
-            <a:endParaRPr lang="en-AU" dirty="0"/>
-          </a:p>
-          <a:p>
-            <a:r>
-              <a:rPr lang="en-AU" b="1" dirty="0"/>
-              <a:t>Related links:</a:t>
-            </a:r>
-            <a:r>
-              <a:rPr lang="en-AU" dirty="0"/>
-              <a:t> GitHub organisation "</a:t>
-            </a:r>
-            <a:r>
-              <a:rPr lang="en-AU" dirty="0" err="1"/>
-              <a:t>AICourseSelection</a:t>
-            </a:r>
-            <a:r>
-              <a:rPr lang="en-AU" dirty="0"/>
-              <a:t>"：  </a:t>
-            </a:r>
-            <a:r>
-              <a:rPr lang="en-AU" dirty="0">
-                <a:hlinkClick r:id="rId6"/>
-              </a:rPr>
-              <a:t>https://github.com/AICourseSelection</a:t>
-            </a:r>
-            <a:endParaRPr lang="en-AU" dirty="0"/>
+              <a:t>More useful information about courses (like reviews)</a:t>
+            </a:r>
           </a:p>
           <a:p>
             <a:pPr marL="0" indent="0">
@@ -5425,7 +6624,7 @@
           <p:cNvPr id="4" name="Rectangle 3">
             <a:extLst>
               <a:ext uri="{FF2B5EF4-FFF2-40B4-BE49-F238E27FC236}">
-                <a16:creationId xmlns:a16="http://schemas.microsoft.com/office/drawing/2014/main" id="{B19B16DD-C7A9-8E40-A295-207CA68BC692}"/>
+                <a16:creationId xmlns:a16="http://schemas.microsoft.com/office/drawing/2014/main" id="{8E5AF000-46C0-B547-9523-5CECA2D3E0DC}"/>
               </a:ext>
             </a:extLst>
           </p:cNvPr>
@@ -5450,7 +6649,7 @@
           <a:p>
             <a:pPr algn="ctr"/>
             <a:r>
-              <a:rPr lang="en-US" sz="4800" b="1" dirty="0">
+              <a:rPr lang="en-AU" sz="4800" b="1" dirty="0">
                 <a:ln w="9525">
                   <a:solidFill>
                     <a:schemeClr val="bg1"/>
@@ -5465,18 +6664,15 @@
                   </a:outerShdw>
                 </a:effectLst>
               </a:rPr>
-              <a:t>Million Coursework Students</a:t>
-            </a:r>
-            <a:endParaRPr lang="en-US" sz="4800" b="1" cap="none" spc="0" dirty="0">
+              <a:t>Intelligent Course Scheduler</a:t>
+            </a:r>
+            <a:endParaRPr lang="en-US" sz="4800" b="1" dirty="0">
               <a:ln w="9525">
                 <a:solidFill>
                   <a:schemeClr val="bg1"/>
                 </a:solidFill>
                 <a:prstDash val="solid"/>
               </a:ln>
-              <a:solidFill>
-                <a:schemeClr val="tx1"/>
-              </a:solidFill>
               <a:effectLst>
                 <a:outerShdw blurRad="12700" dist="38100" dir="2700000" algn="tl" rotWithShape="0">
                   <a:schemeClr val="bg1">
@@ -5491,7 +6687,237 @@
     </p:spTree>
     <p:extLst>
       <p:ext uri="{BB962C8B-B14F-4D97-AF65-F5344CB8AC3E}">
-        <p14:creationId xmlns:p14="http://schemas.microsoft.com/office/powerpoint/2010/main" val="3553436123"/>
+        <p14:creationId xmlns:p14="http://schemas.microsoft.com/office/powerpoint/2010/main" val="694711485"/>
+      </p:ext>
+    </p:extLst>
+  </p:cSld>
+  <p:clrMapOvr>
+    <a:masterClrMapping/>
+  </p:clrMapOvr>
+</p:sld>
+</file>
+
+<file path=ppt/slides/slide9.xml><?xml version="1.0" encoding="utf-8"?>
+<p:sld xmlns:a="http://schemas.openxmlformats.org/drawingml/2006/main" xmlns:r="http://schemas.openxmlformats.org/officeDocument/2006/relationships" xmlns:p="http://schemas.openxmlformats.org/presentationml/2006/main">
+  <p:cSld>
+    <p:spTree>
+      <p:nvGrpSpPr>
+        <p:cNvPr id="1" name=""/>
+        <p:cNvGrpSpPr/>
+        <p:nvPr/>
+      </p:nvGrpSpPr>
+      <p:grpSpPr>
+        <a:xfrm>
+          <a:off x="0" y="0"/>
+          <a:ext cx="0" cy="0"/>
+          <a:chOff x="0" y="0"/>
+          <a:chExt cx="0" cy="0"/>
+        </a:xfrm>
+      </p:grpSpPr>
+      <p:sp>
+        <p:nvSpPr>
+          <p:cNvPr id="2" name="Title 1">
+            <a:extLst>
+              <a:ext uri="{FF2B5EF4-FFF2-40B4-BE49-F238E27FC236}">
+                <a16:creationId xmlns:a16="http://schemas.microsoft.com/office/drawing/2014/main" id="{53731EA4-56EE-E848-9DCA-45A2FF783632}"/>
+              </a:ext>
+            </a:extLst>
+          </p:cNvPr>
+          <p:cNvSpPr>
+            <a:spLocks noGrp="1"/>
+          </p:cNvSpPr>
+          <p:nvPr>
+            <p:ph type="title"/>
+          </p:nvPr>
+        </p:nvSpPr>
+        <p:spPr>
+          <a:xfrm>
+            <a:off x="54051" y="1123837"/>
+            <a:ext cx="3266136" cy="4601183"/>
+          </a:xfrm>
+        </p:spPr>
+        <p:txBody>
+          <a:bodyPr/>
+          <a:lstStyle/>
+          <a:p>
+            <a:pPr algn="ctr"/>
+            <a:r>
+              <a:rPr lang="en-AU" b="1" dirty="0"/>
+              <a:t>Team communication</a:t>
+            </a:r>
+            <a:endParaRPr lang="en-US" dirty="0"/>
+          </a:p>
+        </p:txBody>
+      </p:sp>
+      <p:pic>
+        <p:nvPicPr>
+          <p:cNvPr id="6" name="Content Placeholder 5">
+            <a:extLst>
+              <a:ext uri="{FF2B5EF4-FFF2-40B4-BE49-F238E27FC236}">
+                <a16:creationId xmlns:a16="http://schemas.microsoft.com/office/drawing/2014/main" id="{24244982-04EA-3544-8F03-E94770FF4C00}"/>
+              </a:ext>
+            </a:extLst>
+          </p:cNvPr>
+          <p:cNvPicPr>
+            <a:picLocks noGrp="1" noChangeAspect="1"/>
+          </p:cNvPicPr>
+          <p:nvPr>
+            <p:ph idx="1"/>
+          </p:nvPr>
+        </p:nvPicPr>
+        <p:blipFill>
+          <a:blip r:embed="rId2"/>
+          <a:stretch>
+            <a:fillRect/>
+          </a:stretch>
+        </p:blipFill>
+        <p:spPr>
+          <a:xfrm>
+            <a:off x="7069321" y="1123837"/>
+            <a:ext cx="3435560" cy="5121275"/>
+          </a:xfrm>
+        </p:spPr>
+      </p:pic>
+      <p:sp>
+        <p:nvSpPr>
+          <p:cNvPr id="4" name="Rectangle 3">
+            <a:extLst>
+              <a:ext uri="{FF2B5EF4-FFF2-40B4-BE49-F238E27FC236}">
+                <a16:creationId xmlns:a16="http://schemas.microsoft.com/office/drawing/2014/main" id="{6DE785C2-B609-CF48-99F1-54BE1DA8836D}"/>
+              </a:ext>
+            </a:extLst>
+          </p:cNvPr>
+          <p:cNvSpPr/>
+          <p:nvPr/>
+        </p:nvSpPr>
+        <p:spPr>
+          <a:xfrm>
+            <a:off x="3159679" y="292840"/>
+            <a:ext cx="8734377" cy="830997"/>
+          </a:xfrm>
+          <a:prstGeom prst="rect">
+            <a:avLst/>
+          </a:prstGeom>
+          <a:noFill/>
+        </p:spPr>
+        <p:txBody>
+          <a:bodyPr wrap="square" lIns="91440" tIns="45720" rIns="91440" bIns="45720">
+            <a:spAutoFit/>
+          </a:bodyPr>
+          <a:lstStyle/>
+          <a:p>
+            <a:pPr algn="ctr"/>
+            <a:r>
+              <a:rPr lang="en-AU" sz="4800" b="1" dirty="0">
+                <a:ln w="9525">
+                  <a:solidFill>
+                    <a:schemeClr val="bg1"/>
+                  </a:solidFill>
+                  <a:prstDash val="solid"/>
+                </a:ln>
+                <a:effectLst>
+                  <a:outerShdw blurRad="12700" dist="38100" dir="2700000" algn="tl" rotWithShape="0">
+                    <a:schemeClr val="bg1">
+                      <a:lumMod val="50000"/>
+                    </a:schemeClr>
+                  </a:outerShdw>
+                </a:effectLst>
+              </a:rPr>
+              <a:t>Intelligent Course Scheduler</a:t>
+            </a:r>
+            <a:endParaRPr lang="en-US" sz="4800" b="1" dirty="0">
+              <a:ln w="9525">
+                <a:solidFill>
+                  <a:schemeClr val="bg1"/>
+                </a:solidFill>
+                <a:prstDash val="solid"/>
+              </a:ln>
+              <a:effectLst>
+                <a:outerShdw blurRad="12700" dist="38100" dir="2700000" algn="tl" rotWithShape="0">
+                  <a:schemeClr val="bg1">
+                    <a:lumMod val="50000"/>
+                  </a:schemeClr>
+                </a:outerShdw>
+              </a:effectLst>
+            </a:endParaRPr>
+          </a:p>
+        </p:txBody>
+      </p:sp>
+      <p:pic>
+        <p:nvPicPr>
+          <p:cNvPr id="8" name="Picture 7">
+            <a:extLst>
+              <a:ext uri="{FF2B5EF4-FFF2-40B4-BE49-F238E27FC236}">
+                <a16:creationId xmlns:a16="http://schemas.microsoft.com/office/drawing/2014/main" id="{B1182730-A228-1C4B-944D-7A11064EFD45}"/>
+              </a:ext>
+            </a:extLst>
+          </p:cNvPr>
+          <p:cNvPicPr>
+            <a:picLocks noChangeAspect="1"/>
+          </p:cNvPicPr>
+          <p:nvPr/>
+        </p:nvPicPr>
+        <p:blipFill>
+          <a:blip r:embed="rId3"/>
+          <a:stretch>
+            <a:fillRect/>
+          </a:stretch>
+        </p:blipFill>
+        <p:spPr>
+          <a:xfrm>
+            <a:off x="4096204" y="2585924"/>
+            <a:ext cx="2197100" cy="2197100"/>
+          </a:xfrm>
+          <a:prstGeom prst="rect">
+            <a:avLst/>
+          </a:prstGeom>
+        </p:spPr>
+      </p:pic>
+      <p:sp>
+        <p:nvSpPr>
+          <p:cNvPr id="9" name="Rectangle 8">
+            <a:extLst>
+              <a:ext uri="{FF2B5EF4-FFF2-40B4-BE49-F238E27FC236}">
+                <a16:creationId xmlns:a16="http://schemas.microsoft.com/office/drawing/2014/main" id="{75AD9E4B-DBB8-F04F-BEFA-C04A28FDA1BA}"/>
+              </a:ext>
+            </a:extLst>
+          </p:cNvPr>
+          <p:cNvSpPr/>
+          <p:nvPr/>
+        </p:nvSpPr>
+        <p:spPr>
+          <a:xfrm>
+            <a:off x="4525666" y="6060445"/>
+            <a:ext cx="3140668" cy="369332"/>
+          </a:xfrm>
+          <a:prstGeom prst="rect">
+            <a:avLst/>
+          </a:prstGeom>
+        </p:spPr>
+        <p:txBody>
+          <a:bodyPr wrap="none">
+            <a:spAutoFit/>
+          </a:bodyPr>
+          <a:lstStyle/>
+          <a:p>
+            <a:r>
+              <a:rPr lang="en-AU" dirty="0">
+                <a:solidFill>
+                  <a:srgbClr val="0366D6"/>
+                </a:solidFill>
+                <a:latin typeface="-apple-system"/>
+                <a:hlinkClick r:id="rId4"/>
+              </a:rPr>
+              <a:t>https://millioncourse.slack.com</a:t>
+            </a:r>
+            <a:endParaRPr lang="en-US" dirty="0"/>
+          </a:p>
+        </p:txBody>
+      </p:sp>
+    </p:spTree>
+    <p:extLst>
+      <p:ext uri="{BB962C8B-B14F-4D97-AF65-F5344CB8AC3E}">
+        <p14:creationId xmlns:p14="http://schemas.microsoft.com/office/powerpoint/2010/main" val="3774038565"/>
       </p:ext>
     </p:extLst>
   </p:cSld>
